--- a/CPU-BENCHMARK.pptx
+++ b/CPU-BENCHMARK.pptx
@@ -5,7 +5,7 @@
     <p:sldMasterId id="2147483648" r:id="rId1"/>
   </p:sldMasterIdLst>
   <p:notesMasterIdLst>
-    <p:notesMasterId r:id="rId14"/>
+    <p:notesMasterId r:id="rId18"/>
   </p:notesMasterIdLst>
   <p:sldIdLst>
     <p:sldId id="256" r:id="rId2"/>
@@ -17,9 +17,13 @@
     <p:sldId id="262" r:id="rId8"/>
     <p:sldId id="263" r:id="rId9"/>
     <p:sldId id="264" r:id="rId10"/>
-    <p:sldId id="265" r:id="rId11"/>
-    <p:sldId id="267" r:id="rId12"/>
-    <p:sldId id="266" r:id="rId13"/>
+    <p:sldId id="268" r:id="rId11"/>
+    <p:sldId id="269" r:id="rId12"/>
+    <p:sldId id="270" r:id="rId13"/>
+    <p:sldId id="271" r:id="rId14"/>
+    <p:sldId id="265" r:id="rId15"/>
+    <p:sldId id="267" r:id="rId16"/>
+    <p:sldId id="266" r:id="rId17"/>
   </p:sldIdLst>
   <p:sldSz cx="9144000" cy="6858000" type="screen4x3"/>
   <p:notesSz cx="6858000" cy="9144000"/>
@@ -118,6 +122,22 @@
       </a:defRPr>
     </a:lvl9pPr>
   </p:defaultTextStyle>
+  <p:extLst>
+    <p:ext uri="{EFAFB233-063F-42B5-8137-9DF3F51BA10A}">
+      <p15:sldGuideLst xmlns:p15="http://schemas.microsoft.com/office/powerpoint/2012/main">
+        <p15:guide id="1" orient="horz" pos="2160">
+          <p15:clr>
+            <a:srgbClr val="A4A3A4"/>
+          </p15:clr>
+        </p15:guide>
+        <p15:guide id="2" pos="2880">
+          <p15:clr>
+            <a:srgbClr val="A4A3A4"/>
+          </p15:clr>
+        </p15:guide>
+      </p15:sldGuideLst>
+    </p:ext>
+  </p:extLst>
 </p:presentation>
 </file>
 
@@ -203,7 +223,7 @@
           <a:p>
             <a:fld id="{0F65CBEB-50B1-4D84-AA03-2075C724374D}" type="datetimeFigureOut">
               <a:rPr lang="zh-CN" altLang="en-US" smtClean="0"/>
-              <a:t>2018/4/8</a:t>
+              <a:t>2018/4/9</a:t>
             </a:fld>
             <a:endParaRPr lang="zh-CN" altLang="en-US"/>
           </a:p>
@@ -804,7 +824,7 @@
           <a:p>
             <a:fld id="{566F05DE-4F6F-4E66-AEC6-158D3DE75994}" type="slidenum">
               <a:rPr lang="zh-CN" altLang="en-US" smtClean="0"/>
-              <a:t>12</a:t>
+              <a:t>16</a:t>
             </a:fld>
             <a:endParaRPr lang="zh-CN" altLang="en-US"/>
           </a:p>
@@ -1004,7 +1024,7 @@
           <a:p>
             <a:fld id="{530820CF-B880-4189-942D-D702A7CBA730}" type="datetimeFigureOut">
               <a:rPr lang="zh-CN" altLang="en-US" smtClean="0"/>
-              <a:t>2018/4/8</a:t>
+              <a:t>2018/4/9</a:t>
             </a:fld>
             <a:endParaRPr lang="zh-CN" altLang="en-US"/>
           </a:p>
@@ -1169,7 +1189,7 @@
           <a:p>
             <a:fld id="{530820CF-B880-4189-942D-D702A7CBA730}" type="datetimeFigureOut">
               <a:rPr lang="zh-CN" altLang="en-US" smtClean="0"/>
-              <a:t>2018/4/8</a:t>
+              <a:t>2018/4/9</a:t>
             </a:fld>
             <a:endParaRPr lang="zh-CN" altLang="en-US"/>
           </a:p>
@@ -1344,7 +1364,7 @@
           <a:p>
             <a:fld id="{530820CF-B880-4189-942D-D702A7CBA730}" type="datetimeFigureOut">
               <a:rPr lang="zh-CN" altLang="en-US" smtClean="0"/>
-              <a:t>2018/4/8</a:t>
+              <a:t>2018/4/9</a:t>
             </a:fld>
             <a:endParaRPr lang="zh-CN" altLang="en-US"/>
           </a:p>
@@ -1509,7 +1529,7 @@
           <a:p>
             <a:fld id="{530820CF-B880-4189-942D-D702A7CBA730}" type="datetimeFigureOut">
               <a:rPr lang="zh-CN" altLang="en-US" smtClean="0"/>
-              <a:t>2018/4/8</a:t>
+              <a:t>2018/4/9</a:t>
             </a:fld>
             <a:endParaRPr lang="zh-CN" altLang="en-US"/>
           </a:p>
@@ -1750,7 +1770,7 @@
           <a:p>
             <a:fld id="{530820CF-B880-4189-942D-D702A7CBA730}" type="datetimeFigureOut">
               <a:rPr lang="zh-CN" altLang="en-US" smtClean="0"/>
-              <a:t>2018/4/8</a:t>
+              <a:t>2018/4/9</a:t>
             </a:fld>
             <a:endParaRPr lang="zh-CN" altLang="en-US"/>
           </a:p>
@@ -2033,7 +2053,7 @@
           <a:p>
             <a:fld id="{530820CF-B880-4189-942D-D702A7CBA730}" type="datetimeFigureOut">
               <a:rPr lang="zh-CN" altLang="en-US" smtClean="0"/>
-              <a:t>2018/4/8</a:t>
+              <a:t>2018/4/9</a:t>
             </a:fld>
             <a:endParaRPr lang="zh-CN" altLang="en-US"/>
           </a:p>
@@ -2450,7 +2470,7 @@
           <a:p>
             <a:fld id="{530820CF-B880-4189-942D-D702A7CBA730}" type="datetimeFigureOut">
               <a:rPr lang="zh-CN" altLang="en-US" smtClean="0"/>
-              <a:t>2018/4/8</a:t>
+              <a:t>2018/4/9</a:t>
             </a:fld>
             <a:endParaRPr lang="zh-CN" altLang="en-US"/>
           </a:p>
@@ -2563,7 +2583,7 @@
           <a:p>
             <a:fld id="{530820CF-B880-4189-942D-D702A7CBA730}" type="datetimeFigureOut">
               <a:rPr lang="zh-CN" altLang="en-US" smtClean="0"/>
-              <a:t>2018/4/8</a:t>
+              <a:t>2018/4/9</a:t>
             </a:fld>
             <a:endParaRPr lang="zh-CN" altLang="en-US"/>
           </a:p>
@@ -2653,7 +2673,7 @@
           <a:p>
             <a:fld id="{530820CF-B880-4189-942D-D702A7CBA730}" type="datetimeFigureOut">
               <a:rPr lang="zh-CN" altLang="en-US" smtClean="0"/>
-              <a:t>2018/4/8</a:t>
+              <a:t>2018/4/9</a:t>
             </a:fld>
             <a:endParaRPr lang="zh-CN" altLang="en-US"/>
           </a:p>
@@ -2925,7 +2945,7 @@
           <a:p>
             <a:fld id="{530820CF-B880-4189-942D-D702A7CBA730}" type="datetimeFigureOut">
               <a:rPr lang="zh-CN" altLang="en-US" smtClean="0"/>
-              <a:t>2018/4/8</a:t>
+              <a:t>2018/4/9</a:t>
             </a:fld>
             <a:endParaRPr lang="zh-CN" altLang="en-US"/>
           </a:p>
@@ -3173,7 +3193,7 @@
           <a:p>
             <a:fld id="{530820CF-B880-4189-942D-D702A7CBA730}" type="datetimeFigureOut">
               <a:rPr lang="zh-CN" altLang="en-US" smtClean="0"/>
-              <a:t>2018/4/8</a:t>
+              <a:t>2018/4/9</a:t>
             </a:fld>
             <a:endParaRPr lang="zh-CN" altLang="en-US"/>
           </a:p>
@@ -3381,7 +3401,7 @@
           <a:p>
             <a:fld id="{530820CF-B880-4189-942D-D702A7CBA730}" type="datetimeFigureOut">
               <a:rPr lang="zh-CN" altLang="en-US" smtClean="0"/>
-              <a:t>2018/4/8</a:t>
+              <a:t>2018/4/9</a:t>
             </a:fld>
             <a:endParaRPr lang="zh-CN" altLang="en-US"/>
           </a:p>
@@ -3790,8 +3810,22 @@
           <a:lstStyle/>
           <a:p>
             <a:r>
+              <a:rPr lang="en-US" altLang="zh-CN" dirty="0" smtClean="0"/>
+              <a:t>-- </a:t>
+            </a:r>
+            <a:r>
               <a:rPr lang="en-US" altLang="zh-CN" dirty="0" err="1" smtClean="0"/>
               <a:t>Microbenchmark</a:t>
+            </a:r>
+            <a:endParaRPr lang="en-US" altLang="zh-CN" dirty="0" smtClean="0"/>
+          </a:p>
+          <a:p>
+            <a:endParaRPr lang="en-US" altLang="zh-CN" dirty="0"/>
+          </a:p>
+          <a:p>
+            <a:r>
+              <a:rPr lang="en-US" altLang="zh-CN" dirty="0" smtClean="0"/>
+              <a:t>Bao</a:t>
             </a:r>
             <a:endParaRPr lang="zh-CN" altLang="en-US" dirty="0"/>
           </a:p>
@@ -3807,6 +3841,13 @@
   <p:clrMapOvr>
     <a:masterClrMapping/>
   </p:clrMapOvr>
+  <p:timing>
+    <p:tnLst>
+      <p:par>
+        <p:cTn id="1" dur="indefinite" restart="never" nodeType="tmRoot"/>
+      </p:par>
+    </p:tnLst>
+  </p:timing>
 </p:sld>
 </file>
 
@@ -3829,6 +3870,574 @@
       </p:grpSpPr>
       <p:sp>
         <p:nvSpPr>
+          <p:cNvPr id="2" name="Title 1"/>
+          <p:cNvSpPr>
+            <a:spLocks noGrp="1"/>
+          </p:cNvSpPr>
+          <p:nvPr>
+            <p:ph type="title"/>
+          </p:nvPr>
+        </p:nvSpPr>
+        <p:spPr/>
+        <p:txBody>
+          <a:bodyPr/>
+          <a:lstStyle/>
+          <a:p>
+            <a:pPr algn="l"/>
+            <a:r>
+              <a:rPr lang="en-US" dirty="0" smtClean="0"/>
+              <a:t>Report</a:t>
+            </a:r>
+            <a:endParaRPr lang="en-US" dirty="0"/>
+          </a:p>
+        </p:txBody>
+      </p:sp>
+      <p:sp>
+        <p:nvSpPr>
+          <p:cNvPr id="3" name="Content Placeholder 2"/>
+          <p:cNvSpPr>
+            <a:spLocks noGrp="1"/>
+          </p:cNvSpPr>
+          <p:nvPr>
+            <p:ph idx="1"/>
+          </p:nvPr>
+        </p:nvSpPr>
+        <p:spPr/>
+        <p:txBody>
+          <a:bodyPr>
+            <a:normAutofit lnSpcReduction="10000"/>
+          </a:bodyPr>
+          <a:lstStyle/>
+          <a:p>
+            <a:r>
+              <a:rPr lang="en-US" kern="100" dirty="0"/>
+              <a:t>Intel I5-2410M CPU @ 2.30GHz</a:t>
+            </a:r>
+            <a:endParaRPr lang="zh-CN" altLang="en-US" kern="100" dirty="0">
+              <a:ea typeface="宋体"/>
+              <a:cs typeface="Times New Roman"/>
+            </a:endParaRPr>
+          </a:p>
+          <a:p>
+            <a:r>
+              <a:rPr lang="en-US" dirty="0" smtClean="0"/>
+              <a:t>L1 4*32KB</a:t>
+            </a:r>
+          </a:p>
+          <a:p>
+            <a:r>
+              <a:rPr lang="en-US" dirty="0" smtClean="0"/>
+              <a:t>L2 2*256 KB</a:t>
+            </a:r>
+          </a:p>
+          <a:p>
+            <a:r>
+              <a:rPr lang="en-US" dirty="0" smtClean="0"/>
+              <a:t>L3 3 MB</a:t>
+            </a:r>
+          </a:p>
+          <a:p>
+            <a:r>
+              <a:rPr lang="en-US" dirty="0" smtClean="0"/>
+              <a:t>Float add 624 ns; sub 2722 ns</a:t>
+            </a:r>
+          </a:p>
+          <a:p>
+            <a:r>
+              <a:rPr lang="en-US" dirty="0" smtClean="0"/>
+              <a:t>Double add 1695 ns; sub 1740 ns</a:t>
+            </a:r>
+          </a:p>
+          <a:p>
+            <a:r>
+              <a:rPr lang="en-US" dirty="0" smtClean="0"/>
+              <a:t>AND 1388 ns</a:t>
+            </a:r>
+          </a:p>
+          <a:p>
+            <a:r>
+              <a:rPr lang="en-US" dirty="0" smtClean="0"/>
+              <a:t>XOR 2007 ns</a:t>
+            </a:r>
+          </a:p>
+          <a:p>
+            <a:endParaRPr lang="en-US" dirty="0" smtClean="0"/>
+          </a:p>
+          <a:p>
+            <a:endParaRPr lang="en-US" dirty="0"/>
+          </a:p>
+        </p:txBody>
+      </p:sp>
+    </p:spTree>
+    <p:extLst>
+      <p:ext uri="{BB962C8B-B14F-4D97-AF65-F5344CB8AC3E}">
+        <p14:creationId xmlns:p14="http://schemas.microsoft.com/office/powerpoint/2010/main" val="3488875090"/>
+      </p:ext>
+    </p:extLst>
+  </p:cSld>
+  <p:clrMapOvr>
+    <a:masterClrMapping/>
+  </p:clrMapOvr>
+  <p:timing>
+    <p:tnLst>
+      <p:par>
+        <p:cTn id="1" dur="indefinite" restart="never" nodeType="tmRoot"/>
+      </p:par>
+    </p:tnLst>
+  </p:timing>
+</p:sld>
+</file>
+
+<file path=ppt/slides/slide11.xml><?xml version="1.0" encoding="utf-8"?>
+<p:sld xmlns:a="http://schemas.openxmlformats.org/drawingml/2006/main" xmlns:r="http://schemas.openxmlformats.org/officeDocument/2006/relationships" xmlns:p="http://schemas.openxmlformats.org/presentationml/2006/main">
+  <p:cSld>
+    <p:spTree>
+      <p:nvGrpSpPr>
+        <p:cNvPr id="1" name=""/>
+        <p:cNvGrpSpPr/>
+        <p:nvPr/>
+      </p:nvGrpSpPr>
+      <p:grpSpPr>
+        <a:xfrm>
+          <a:off x="0" y="0"/>
+          <a:ext cx="0" cy="0"/>
+          <a:chOff x="0" y="0"/>
+          <a:chExt cx="0" cy="0"/>
+        </a:xfrm>
+      </p:grpSpPr>
+      <p:sp>
+        <p:nvSpPr>
+          <p:cNvPr id="2" name="Title 1"/>
+          <p:cNvSpPr>
+            <a:spLocks noGrp="1"/>
+          </p:cNvSpPr>
+          <p:nvPr>
+            <p:ph type="title"/>
+          </p:nvPr>
+        </p:nvSpPr>
+        <p:spPr/>
+        <p:txBody>
+          <a:bodyPr/>
+          <a:lstStyle/>
+          <a:p>
+            <a:pPr algn="l"/>
+            <a:r>
+              <a:rPr lang="en-US" dirty="0" smtClean="0"/>
+              <a:t>Report</a:t>
+            </a:r>
+            <a:endParaRPr lang="en-US" dirty="0"/>
+          </a:p>
+        </p:txBody>
+      </p:sp>
+      <p:sp>
+        <p:nvSpPr>
+          <p:cNvPr id="3" name="Content Placeholder 2"/>
+          <p:cNvSpPr>
+            <a:spLocks noGrp="1"/>
+          </p:cNvSpPr>
+          <p:nvPr>
+            <p:ph idx="1"/>
+          </p:nvPr>
+        </p:nvSpPr>
+        <p:spPr/>
+        <p:txBody>
+          <a:bodyPr>
+            <a:normAutofit lnSpcReduction="10000"/>
+          </a:bodyPr>
+          <a:lstStyle/>
+          <a:p>
+            <a:r>
+              <a:rPr lang="pt-BR" kern="100" dirty="0" smtClean="0"/>
+              <a:t>Intel(R</a:t>
+            </a:r>
+            <a:r>
+              <a:rPr lang="pt-BR" kern="100" dirty="0"/>
+              <a:t>) Core(TM) i5-6300HQ CPU @ </a:t>
+            </a:r>
+            <a:r>
+              <a:rPr lang="pt-BR" kern="100" dirty="0" smtClean="0"/>
+              <a:t>2.30GHz</a:t>
+            </a:r>
+          </a:p>
+          <a:p>
+            <a:r>
+              <a:rPr lang="en-US" dirty="0" smtClean="0"/>
+              <a:t>L1 8*32KB</a:t>
+            </a:r>
+          </a:p>
+          <a:p>
+            <a:r>
+              <a:rPr lang="en-US" dirty="0" smtClean="0"/>
+              <a:t>L2 4*256 KB</a:t>
+            </a:r>
+          </a:p>
+          <a:p>
+            <a:r>
+              <a:rPr lang="en-US" dirty="0" smtClean="0"/>
+              <a:t>L3 6 MB</a:t>
+            </a:r>
+          </a:p>
+          <a:p>
+            <a:r>
+              <a:rPr lang="en-US" dirty="0" smtClean="0"/>
+              <a:t>Float add 355ns; sub 1244ns</a:t>
+            </a:r>
+          </a:p>
+          <a:p>
+            <a:r>
+              <a:rPr lang="en-US" dirty="0" smtClean="0"/>
+              <a:t>Double add 1288ns; sub 1155ns</a:t>
+            </a:r>
+          </a:p>
+          <a:p>
+            <a:r>
+              <a:rPr lang="en-US" dirty="0" smtClean="0"/>
+              <a:t>AND 933ns</a:t>
+            </a:r>
+          </a:p>
+          <a:p>
+            <a:r>
+              <a:rPr lang="en-US" dirty="0" smtClean="0"/>
+              <a:t>XOR 1155ns</a:t>
+            </a:r>
+          </a:p>
+          <a:p>
+            <a:endParaRPr lang="en-US" dirty="0" smtClean="0"/>
+          </a:p>
+          <a:p>
+            <a:endParaRPr lang="en-US" dirty="0"/>
+          </a:p>
+        </p:txBody>
+      </p:sp>
+    </p:spTree>
+    <p:extLst>
+      <p:ext uri="{BB962C8B-B14F-4D97-AF65-F5344CB8AC3E}">
+        <p14:creationId xmlns:p14="http://schemas.microsoft.com/office/powerpoint/2010/main" val="3349118997"/>
+      </p:ext>
+    </p:extLst>
+  </p:cSld>
+  <p:clrMapOvr>
+    <a:masterClrMapping/>
+  </p:clrMapOvr>
+  <p:timing>
+    <p:tnLst>
+      <p:par>
+        <p:cTn id="1" dur="indefinite" restart="never" nodeType="tmRoot"/>
+      </p:par>
+    </p:tnLst>
+  </p:timing>
+</p:sld>
+</file>
+
+<file path=ppt/slides/slide12.xml><?xml version="1.0" encoding="utf-8"?>
+<p:sld xmlns:a="http://schemas.openxmlformats.org/drawingml/2006/main" xmlns:r="http://schemas.openxmlformats.org/officeDocument/2006/relationships" xmlns:p="http://schemas.openxmlformats.org/presentationml/2006/main">
+  <p:cSld>
+    <p:spTree>
+      <p:nvGrpSpPr>
+        <p:cNvPr id="1" name=""/>
+        <p:cNvGrpSpPr/>
+        <p:nvPr/>
+      </p:nvGrpSpPr>
+      <p:grpSpPr>
+        <a:xfrm>
+          <a:off x="0" y="0"/>
+          <a:ext cx="0" cy="0"/>
+          <a:chOff x="0" y="0"/>
+          <a:chExt cx="0" cy="0"/>
+        </a:xfrm>
+      </p:grpSpPr>
+      <p:sp>
+        <p:nvSpPr>
+          <p:cNvPr id="2" name="Title 1"/>
+          <p:cNvSpPr>
+            <a:spLocks noGrp="1"/>
+          </p:cNvSpPr>
+          <p:nvPr>
+            <p:ph type="title"/>
+          </p:nvPr>
+        </p:nvSpPr>
+        <p:spPr/>
+        <p:txBody>
+          <a:bodyPr/>
+          <a:lstStyle/>
+          <a:p>
+            <a:pPr algn="l"/>
+            <a:r>
+              <a:rPr lang="en-US" dirty="0" smtClean="0"/>
+              <a:t>Report</a:t>
+            </a:r>
+            <a:endParaRPr lang="en-US" dirty="0"/>
+          </a:p>
+        </p:txBody>
+      </p:sp>
+      <p:sp>
+        <p:nvSpPr>
+          <p:cNvPr id="3" name="Content Placeholder 2"/>
+          <p:cNvSpPr>
+            <a:spLocks noGrp="1"/>
+          </p:cNvSpPr>
+          <p:nvPr>
+            <p:ph idx="1"/>
+          </p:nvPr>
+        </p:nvSpPr>
+        <p:spPr/>
+        <p:txBody>
+          <a:bodyPr>
+            <a:normAutofit lnSpcReduction="10000"/>
+          </a:bodyPr>
+          <a:lstStyle/>
+          <a:p>
+            <a:r>
+              <a:rPr lang="en-US" kern="100" dirty="0"/>
+              <a:t>Intel(R) Core(TM) i7-4790 CPU @ </a:t>
+            </a:r>
+            <a:r>
+              <a:rPr lang="en-US" kern="100" dirty="0" smtClean="0"/>
+              <a:t>3.60GHz</a:t>
+            </a:r>
+            <a:endParaRPr lang="zh-CN" altLang="en-US" kern="100" dirty="0" smtClean="0">
+              <a:ea typeface="宋体"/>
+              <a:cs typeface="Times New Roman"/>
+            </a:endParaRPr>
+          </a:p>
+          <a:p>
+            <a:r>
+              <a:rPr lang="en-US" dirty="0" smtClean="0"/>
+              <a:t>L1 8*64 KB</a:t>
+            </a:r>
+          </a:p>
+          <a:p>
+            <a:r>
+              <a:rPr lang="en-US" dirty="0" smtClean="0"/>
+              <a:t>L2 8*256 KB</a:t>
+            </a:r>
+          </a:p>
+          <a:p>
+            <a:r>
+              <a:rPr lang="en-US" dirty="0" smtClean="0"/>
+              <a:t>L3 8*8192 KB</a:t>
+            </a:r>
+          </a:p>
+          <a:p>
+            <a:r>
+              <a:rPr lang="en-US" dirty="0" smtClean="0"/>
+              <a:t>Float add 172ns; sub 480ns</a:t>
+            </a:r>
+          </a:p>
+          <a:p>
+            <a:r>
+              <a:rPr lang="en-US" dirty="0" smtClean="0"/>
+              <a:t>Double add 580ns; sub 1080ns</a:t>
+            </a:r>
+          </a:p>
+          <a:p>
+            <a:r>
+              <a:rPr lang="en-US" dirty="0" smtClean="0"/>
+              <a:t>AND 496ns</a:t>
+            </a:r>
+          </a:p>
+          <a:p>
+            <a:r>
+              <a:rPr lang="en-US" dirty="0" smtClean="0"/>
+              <a:t>XOR 603ns</a:t>
+            </a:r>
+          </a:p>
+          <a:p>
+            <a:endParaRPr lang="en-US" dirty="0" smtClean="0"/>
+          </a:p>
+          <a:p>
+            <a:endParaRPr lang="en-US" dirty="0"/>
+          </a:p>
+        </p:txBody>
+      </p:sp>
+    </p:spTree>
+    <p:extLst>
+      <p:ext uri="{BB962C8B-B14F-4D97-AF65-F5344CB8AC3E}">
+        <p14:creationId xmlns:p14="http://schemas.microsoft.com/office/powerpoint/2010/main" val="845395896"/>
+      </p:ext>
+    </p:extLst>
+  </p:cSld>
+  <p:clrMapOvr>
+    <a:masterClrMapping/>
+  </p:clrMapOvr>
+  <p:timing>
+    <p:tnLst>
+      <p:par>
+        <p:cTn id="1" dur="indefinite" restart="never" nodeType="tmRoot"/>
+      </p:par>
+    </p:tnLst>
+  </p:timing>
+</p:sld>
+</file>
+
+<file path=ppt/slides/slide13.xml><?xml version="1.0" encoding="utf-8"?>
+<p:sld xmlns:a="http://schemas.openxmlformats.org/drawingml/2006/main" xmlns:r="http://schemas.openxmlformats.org/officeDocument/2006/relationships" xmlns:p="http://schemas.openxmlformats.org/presentationml/2006/main">
+  <p:cSld>
+    <p:spTree>
+      <p:nvGrpSpPr>
+        <p:cNvPr id="1" name=""/>
+        <p:cNvGrpSpPr/>
+        <p:nvPr/>
+      </p:nvGrpSpPr>
+      <p:grpSpPr>
+        <a:xfrm>
+          <a:off x="0" y="0"/>
+          <a:ext cx="0" cy="0"/>
+          <a:chOff x="0" y="0"/>
+          <a:chExt cx="0" cy="0"/>
+        </a:xfrm>
+      </p:grpSpPr>
+      <p:sp>
+        <p:nvSpPr>
+          <p:cNvPr id="2" name="Title 1"/>
+          <p:cNvSpPr>
+            <a:spLocks noGrp="1"/>
+          </p:cNvSpPr>
+          <p:nvPr>
+            <p:ph type="title"/>
+          </p:nvPr>
+        </p:nvSpPr>
+        <p:spPr/>
+        <p:txBody>
+          <a:bodyPr/>
+          <a:lstStyle/>
+          <a:p>
+            <a:pPr algn="l"/>
+            <a:r>
+              <a:rPr lang="en-US" dirty="0" smtClean="0"/>
+              <a:t>Report</a:t>
+            </a:r>
+            <a:endParaRPr lang="en-US" dirty="0"/>
+          </a:p>
+        </p:txBody>
+      </p:sp>
+      <p:sp>
+        <p:nvSpPr>
+          <p:cNvPr id="3" name="Content Placeholder 2"/>
+          <p:cNvSpPr>
+            <a:spLocks noGrp="1"/>
+          </p:cNvSpPr>
+          <p:nvPr>
+            <p:ph idx="1"/>
+          </p:nvPr>
+        </p:nvSpPr>
+        <p:spPr/>
+        <p:txBody>
+          <a:bodyPr>
+            <a:normAutofit lnSpcReduction="10000"/>
+          </a:bodyPr>
+          <a:lstStyle/>
+          <a:p>
+            <a:r>
+              <a:rPr lang="en-US" kern="100" dirty="0"/>
+              <a:t>Intel </a:t>
+            </a:r>
+            <a:r>
+              <a:rPr lang="en-US" kern="100" dirty="0" smtClean="0"/>
+              <a:t>I7-6700 </a:t>
+            </a:r>
+            <a:r>
+              <a:rPr lang="en-US" kern="100" dirty="0"/>
+              <a:t>CPU @ </a:t>
+            </a:r>
+            <a:r>
+              <a:rPr lang="en-US" kern="100" dirty="0" smtClean="0"/>
+              <a:t>3.40GHz</a:t>
+            </a:r>
+            <a:endParaRPr lang="zh-CN" altLang="en-US" kern="100" dirty="0">
+              <a:ea typeface="宋体"/>
+              <a:cs typeface="Times New Roman"/>
+            </a:endParaRPr>
+          </a:p>
+          <a:p>
+            <a:r>
+              <a:rPr lang="en-US" dirty="0" smtClean="0"/>
+              <a:t>L1 8*32KB</a:t>
+            </a:r>
+          </a:p>
+          <a:p>
+            <a:r>
+              <a:rPr lang="en-US" dirty="0" smtClean="0"/>
+              <a:t>L2 4*256 KB</a:t>
+            </a:r>
+          </a:p>
+          <a:p>
+            <a:r>
+              <a:rPr lang="en-US" dirty="0" smtClean="0"/>
+              <a:t>L3 8 MB</a:t>
+            </a:r>
+          </a:p>
+          <a:p>
+            <a:r>
+              <a:rPr lang="en-US" dirty="0" smtClean="0"/>
+              <a:t>Float add 360ns; sub 1111ns</a:t>
+            </a:r>
+          </a:p>
+          <a:p>
+            <a:r>
+              <a:rPr lang="en-US" dirty="0" smtClean="0"/>
+              <a:t>Double add 1231ns; sub 1111ns</a:t>
+            </a:r>
+          </a:p>
+          <a:p>
+            <a:r>
+              <a:rPr lang="en-US" dirty="0" smtClean="0"/>
+              <a:t>AND 1051ns</a:t>
+            </a:r>
+          </a:p>
+          <a:p>
+            <a:r>
+              <a:rPr lang="en-US" dirty="0" smtClean="0"/>
+              <a:t>XOR 1021ns</a:t>
+            </a:r>
+          </a:p>
+          <a:p>
+            <a:endParaRPr lang="en-US" dirty="0" smtClean="0"/>
+          </a:p>
+          <a:p>
+            <a:endParaRPr lang="en-US" dirty="0"/>
+          </a:p>
+        </p:txBody>
+      </p:sp>
+    </p:spTree>
+    <p:extLst>
+      <p:ext uri="{BB962C8B-B14F-4D97-AF65-F5344CB8AC3E}">
+        <p14:creationId xmlns:p14="http://schemas.microsoft.com/office/powerpoint/2010/main" val="1761489508"/>
+      </p:ext>
+    </p:extLst>
+  </p:cSld>
+  <p:clrMapOvr>
+    <a:masterClrMapping/>
+  </p:clrMapOvr>
+  <p:timing>
+    <p:tnLst>
+      <p:par>
+        <p:cTn id="1" dur="indefinite" restart="never" nodeType="tmRoot"/>
+      </p:par>
+    </p:tnLst>
+  </p:timing>
+</p:sld>
+</file>
+
+<file path=ppt/slides/slide14.xml><?xml version="1.0" encoding="utf-8"?>
+<p:sld xmlns:a="http://schemas.openxmlformats.org/drawingml/2006/main" xmlns:r="http://schemas.openxmlformats.org/officeDocument/2006/relationships" xmlns:p="http://schemas.openxmlformats.org/presentationml/2006/main">
+  <p:cSld>
+    <p:spTree>
+      <p:nvGrpSpPr>
+        <p:cNvPr id="1" name=""/>
+        <p:cNvGrpSpPr/>
+        <p:nvPr/>
+      </p:nvGrpSpPr>
+      <p:grpSpPr>
+        <a:xfrm>
+          <a:off x="0" y="0"/>
+          <a:ext cx="0" cy="0"/>
+          <a:chOff x="0" y="0"/>
+          <a:chExt cx="0" cy="0"/>
+        </a:xfrm>
+      </p:grpSpPr>
+      <p:sp>
+        <p:nvSpPr>
           <p:cNvPr id="2" name="标题 1"/>
           <p:cNvSpPr>
             <a:spLocks noGrp="1"/>
@@ -3844,8 +4453,8 @@
           <a:p>
             <a:pPr algn="l"/>
             <a:r>
-              <a:rPr lang="en-US" altLang="zh-CN" dirty="0" smtClean="0"/>
-              <a:t>Report</a:t>
+              <a:rPr lang="en-US" altLang="zh-CN" dirty="0"/>
+              <a:t>Report(compare)</a:t>
             </a:r>
             <a:endParaRPr lang="zh-CN" altLang="en-US" dirty="0"/>
           </a:p>
@@ -3861,14 +4470,14 @@
             <p:ph idx="1"/>
             <p:extLst>
               <p:ext uri="{D42A27DB-BD31-4B8C-83A1-F6EECF244321}">
-                <p14:modId xmlns:p14="http://schemas.microsoft.com/office/powerpoint/2010/main" val="3474098208"/>
+                <p14:modId xmlns:p14="http://schemas.microsoft.com/office/powerpoint/2010/main" val="3726610977"/>
               </p:ext>
             </p:extLst>
           </p:nvPr>
         </p:nvGraphicFramePr>
         <p:xfrm>
-          <a:off x="827585" y="1340770"/>
-          <a:ext cx="7272806" cy="5007298"/>
+          <a:off x="251520" y="1340770"/>
+          <a:ext cx="8712967" cy="5256582"/>
         </p:xfrm>
         <a:graphic>
           <a:graphicData uri="http://schemas.openxmlformats.org/drawingml/2006/table">
@@ -3877,15 +4486,15 @@
                 <a:tableStyleId>{5C22544A-7EE6-4342-B048-85BDC9FD1C3A}</a:tableStyleId>
               </a:tblPr>
               <a:tblGrid>
-                <a:gridCol w="1224135"/>
-                <a:gridCol w="846617"/>
-                <a:gridCol w="1073134"/>
-                <a:gridCol w="1073972"/>
-                <a:gridCol w="1073972"/>
-                <a:gridCol w="1028664"/>
-                <a:gridCol w="952312"/>
+                <a:gridCol w="1466538"/>
+                <a:gridCol w="1014264"/>
+                <a:gridCol w="1285636"/>
+                <a:gridCol w="1286640"/>
+                <a:gridCol w="1286640"/>
+                <a:gridCol w="1232360"/>
+                <a:gridCol w="1140889"/>
               </a:tblGrid>
-              <a:tr h="359212">
+              <a:tr h="445919">
                 <a:tc rowSpan="2">
                   <a:txBody>
                     <a:bodyPr/>
@@ -3995,7 +4604,7 @@
                   <a:tcPr/>
                 </a:tc>
               </a:tr>
-              <a:tr h="359212">
+              <a:tr h="756746">
                 <a:tc vMerge="1">
                   <a:txBody>
                     <a:bodyPr/>
@@ -4181,7 +4790,7 @@
                   <a:tcPr marL="68580" marR="68580" marT="0" marB="0"/>
                 </a:tc>
               </a:tr>
-              <a:tr h="1436850">
+              <a:tr h="1783679">
                 <a:tc>
                   <a:txBody>
                     <a:bodyPr/>
@@ -4196,12 +4805,22 @@
                         </a:spcAft>
                       </a:pPr>
                       <a:r>
-                        <a:rPr lang="en-US" sz="2000" kern="100">
+                        <a:rPr lang="pt-BR" sz="2000" kern="100" smtClean="0"/>
+                        <a:t>Intel(R) Core(TM) </a:t>
+                      </a:r>
+                      <a:r>
+                        <a:rPr lang="en-US" sz="2000" kern="100" smtClean="0">
                           <a:effectLst/>
                         </a:rPr>
-                        <a:t>Intel I5-2410M CPU @ 2.30GHz</a:t>
+                        <a:t>I5-2410M </a:t>
                       </a:r>
-                      <a:endParaRPr lang="zh-CN" sz="2000" kern="100">
+                      <a:r>
+                        <a:rPr lang="en-US" sz="2000" kern="100" dirty="0">
+                          <a:effectLst/>
+                        </a:rPr>
+                        <a:t>CPU @ 2.30GHz</a:t>
+                      </a:r>
+                      <a:endParaRPr lang="zh-CN" sz="2000" kern="100" dirty="0">
                         <a:effectLst/>
                         <a:latin typeface="Calibri"/>
                         <a:ea typeface="宋体"/>
@@ -4386,7 +5005,21 @@
                   <a:tcPr marL="68580" marR="68580" marT="0" marB="0"/>
                 </a:tc>
               </a:tr>
-              <a:tr h="1231585">
+              <a:tr h="2270238">
+                <a:tc>
+                  <a:txBody>
+                    <a:bodyPr/>
+                    <a:lstStyle/>
+                    <a:p>
+                      <a:r>
+                        <a:rPr lang="pt-BR" sz="2000" kern="100" dirty="0" smtClean="0"/>
+                        <a:t>Intel(R) Core(TM) i5-6300HQ CPU @ 2.30GHz</a:t>
+                      </a:r>
+                      <a:endParaRPr lang="pt-BR" sz="2000" kern="100" dirty="0" smtClean="0"/>
+                    </a:p>
+                  </a:txBody>
+                  <a:tcPr marL="68580" marR="68580" marT="0" marB="0"/>
+                </a:tc>
                 <a:tc>
                   <a:txBody>
                     <a:bodyPr/>
@@ -4401,10 +5034,10 @@
                         </a:spcAft>
                       </a:pPr>
                       <a:r>
-                        <a:rPr lang="en-US" sz="2000" kern="100" dirty="0">
+                        <a:rPr lang="en-US" sz="2000" kern="100" dirty="0" smtClean="0">
                           <a:effectLst/>
                         </a:rPr>
-                        <a:t>Intel(R) Core(TM) i7-4790 CPU @ 3.60GHz</a:t>
+                        <a:t>355</a:t>
                       </a:r>
                       <a:endParaRPr lang="zh-CN" sz="2000" kern="100" dirty="0">
                         <a:effectLst/>
@@ -4430,10 +5063,10 @@
                         </a:spcAft>
                       </a:pPr>
                       <a:r>
-                        <a:rPr lang="en-US" sz="2000" kern="100" dirty="0">
+                        <a:rPr lang="en-US" sz="2000" kern="100" dirty="0" smtClean="0">
                           <a:effectLst/>
                         </a:rPr>
-                        <a:t>172</a:t>
+                        <a:t>1244</a:t>
                       </a:r>
                       <a:endParaRPr lang="zh-CN" sz="2000" kern="100" dirty="0">
                         <a:effectLst/>
@@ -4459,68 +5092,10 @@
                         </a:spcAft>
                       </a:pPr>
                       <a:r>
-                        <a:rPr lang="en-US" sz="2000" kern="100">
+                        <a:rPr lang="en-US" sz="2000" kern="100" dirty="0" smtClean="0">
                           <a:effectLst/>
                         </a:rPr>
-                        <a:t>480</a:t>
-                      </a:r>
-                      <a:endParaRPr lang="zh-CN" sz="2000" kern="100">
-                        <a:effectLst/>
-                        <a:latin typeface="Calibri"/>
-                        <a:ea typeface="宋体"/>
-                        <a:cs typeface="Times New Roman"/>
-                      </a:endParaRPr>
-                    </a:p>
-                  </a:txBody>
-                  <a:tcPr marL="68580" marR="68580" marT="0" marB="0"/>
-                </a:tc>
-                <a:tc>
-                  <a:txBody>
-                    <a:bodyPr/>
-                    <a:lstStyle/>
-                    <a:p>
-                      <a:pPr marL="0" marR="0" algn="just">
-                        <a:spcBef>
-                          <a:spcPts val="0"/>
-                        </a:spcBef>
-                        <a:spcAft>
-                          <a:spcPts val="0"/>
-                        </a:spcAft>
-                      </a:pPr>
-                      <a:r>
-                        <a:rPr lang="en-US" sz="2000" kern="100">
-                          <a:effectLst/>
-                        </a:rPr>
-                        <a:t>583</a:t>
-                      </a:r>
-                      <a:endParaRPr lang="zh-CN" sz="2000" kern="100">
-                        <a:effectLst/>
-                        <a:latin typeface="Calibri"/>
-                        <a:ea typeface="宋体"/>
-                        <a:cs typeface="Times New Roman"/>
-                      </a:endParaRPr>
-                    </a:p>
-                  </a:txBody>
-                  <a:tcPr marL="68580" marR="68580" marT="0" marB="0"/>
-                </a:tc>
-                <a:tc>
-                  <a:txBody>
-                    <a:bodyPr/>
-                    <a:lstStyle/>
-                    <a:p>
-                      <a:pPr marL="0" marR="0" algn="just">
-                        <a:spcBef>
-                          <a:spcPts val="0"/>
-                        </a:spcBef>
-                        <a:spcAft>
-                          <a:spcPts val="0"/>
-                        </a:spcAft>
-                      </a:pPr>
-                      <a:r>
-                        <a:rPr lang="en-US" sz="2000" kern="100" dirty="0">
-                          <a:effectLst/>
-                        </a:rPr>
-                        <a:t>1080</a:t>
+                        <a:t>1288</a:t>
                       </a:r>
                       <a:endParaRPr lang="zh-CN" sz="2000" kern="100" dirty="0">
                         <a:effectLst/>
@@ -4546,10 +5121,10 @@
                         </a:spcAft>
                       </a:pPr>
                       <a:r>
-                        <a:rPr lang="en-US" sz="2000" kern="100" dirty="0">
+                        <a:rPr lang="en-US" sz="2000" kern="100" dirty="0" smtClean="0">
                           <a:effectLst/>
                         </a:rPr>
-                        <a:t>496</a:t>
+                        <a:t>1155</a:t>
                       </a:r>
                       <a:endParaRPr lang="zh-CN" sz="2000" kern="100" dirty="0">
                         <a:effectLst/>
@@ -4575,50 +5150,10 @@
                         </a:spcAft>
                       </a:pPr>
                       <a:r>
-                        <a:rPr lang="en-US" sz="2000" kern="100" dirty="0">
+                        <a:rPr lang="en-US" sz="2000" kern="100" dirty="0" smtClean="0">
                           <a:effectLst/>
                         </a:rPr>
-                        <a:t>603</a:t>
-                      </a:r>
-                      <a:endParaRPr lang="zh-CN" sz="2000" kern="100" dirty="0">
-                        <a:effectLst/>
-                        <a:latin typeface="Calibri"/>
-                        <a:ea typeface="宋体"/>
-                        <a:cs typeface="Times New Roman"/>
-                      </a:endParaRPr>
-                    </a:p>
-                  </a:txBody>
-                  <a:tcPr marL="68580" marR="68580" marT="0" marB="0"/>
-                </a:tc>
-              </a:tr>
-              <a:tr h="359212">
-                <a:tc>
-                  <a:txBody>
-                    <a:bodyPr/>
-                    <a:lstStyle/>
-                    <a:p>
-                      <a:pPr marL="0" marR="0" indent="0" algn="just" defTabSz="914400" rtl="0" eaLnBrk="1" fontAlgn="auto" latinLnBrk="0" hangingPunct="1">
-                        <a:lnSpc>
-                          <a:spcPct val="100000"/>
-                        </a:lnSpc>
-                        <a:spcBef>
-                          <a:spcPts val="0"/>
-                        </a:spcBef>
-                        <a:spcAft>
-                          <a:spcPts val="0"/>
-                        </a:spcAft>
-                        <a:buClrTx/>
-                        <a:buSzTx/>
-                        <a:buFontTx/>
-                        <a:buNone/>
-                        <a:tabLst/>
-                        <a:defRPr/>
-                      </a:pPr>
-                      <a:r>
-                        <a:rPr lang="en-US" sz="2000" kern="100" dirty="0">
-                          <a:effectLst/>
-                        </a:rPr>
-                        <a:t> </a:t>
+                        <a:t>933</a:t>
                       </a:r>
                       <a:endParaRPr lang="zh-CN" sz="2000" kern="100" dirty="0">
                         <a:effectLst/>
@@ -4644,565 +5179,10 @@
                         </a:spcAft>
                       </a:pPr>
                       <a:r>
-                        <a:rPr lang="en-US" sz="2000" kern="100">
+                        <a:rPr lang="en-US" sz="2000" kern="100" dirty="0" smtClean="0">
                           <a:effectLst/>
                         </a:rPr>
-                        <a:t>165</a:t>
-                      </a:r>
-                      <a:endParaRPr lang="zh-CN" sz="2000" kern="100">
-                        <a:effectLst/>
-                        <a:latin typeface="Calibri"/>
-                        <a:ea typeface="宋体"/>
-                        <a:cs typeface="Times New Roman"/>
-                      </a:endParaRPr>
-                    </a:p>
-                  </a:txBody>
-                  <a:tcPr marL="68580" marR="68580" marT="0" marB="0"/>
-                </a:tc>
-                <a:tc>
-                  <a:txBody>
-                    <a:bodyPr/>
-                    <a:lstStyle/>
-                    <a:p>
-                      <a:pPr marL="0" marR="0" algn="just">
-                        <a:spcBef>
-                          <a:spcPts val="0"/>
-                        </a:spcBef>
-                        <a:spcAft>
-                          <a:spcPts val="0"/>
-                        </a:spcAft>
-                      </a:pPr>
-                      <a:r>
-                        <a:rPr lang="en-US" sz="2000" kern="100">
-                          <a:effectLst/>
-                        </a:rPr>
-                        <a:t>794</a:t>
-                      </a:r>
-                      <a:endParaRPr lang="zh-CN" sz="2000" kern="100">
-                        <a:effectLst/>
-                        <a:latin typeface="Calibri"/>
-                        <a:ea typeface="宋体"/>
-                        <a:cs typeface="Times New Roman"/>
-                      </a:endParaRPr>
-                    </a:p>
-                  </a:txBody>
-                  <a:tcPr marL="68580" marR="68580" marT="0" marB="0"/>
-                </a:tc>
-                <a:tc>
-                  <a:txBody>
-                    <a:bodyPr/>
-                    <a:lstStyle/>
-                    <a:p>
-                      <a:pPr marL="0" marR="0" algn="just">
-                        <a:spcBef>
-                          <a:spcPts val="0"/>
-                        </a:spcBef>
-                        <a:spcAft>
-                          <a:spcPts val="0"/>
-                        </a:spcAft>
-                      </a:pPr>
-                      <a:r>
-                        <a:rPr lang="en-US" sz="2000" kern="100">
-                          <a:effectLst/>
-                        </a:rPr>
-                        <a:t>1059</a:t>
-                      </a:r>
-                      <a:endParaRPr lang="zh-CN" sz="2000" kern="100">
-                        <a:effectLst/>
-                        <a:latin typeface="Calibri"/>
-                        <a:ea typeface="宋体"/>
-                        <a:cs typeface="Times New Roman"/>
-                      </a:endParaRPr>
-                    </a:p>
-                  </a:txBody>
-                  <a:tcPr marL="68580" marR="68580" marT="0" marB="0"/>
-                </a:tc>
-                <a:tc>
-                  <a:txBody>
-                    <a:bodyPr/>
-                    <a:lstStyle/>
-                    <a:p>
-                      <a:pPr marL="0" marR="0" algn="just">
-                        <a:spcBef>
-                          <a:spcPts val="0"/>
-                        </a:spcBef>
-                        <a:spcAft>
-                          <a:spcPts val="0"/>
-                        </a:spcAft>
-                      </a:pPr>
-                      <a:r>
-                        <a:rPr lang="en-US" sz="2000" kern="100">
-                          <a:effectLst/>
-                        </a:rPr>
-                        <a:t>827</a:t>
-                      </a:r>
-                      <a:endParaRPr lang="zh-CN" sz="2000" kern="100">
-                        <a:effectLst/>
-                        <a:latin typeface="Calibri"/>
-                        <a:ea typeface="宋体"/>
-                        <a:cs typeface="Times New Roman"/>
-                      </a:endParaRPr>
-                    </a:p>
-                  </a:txBody>
-                  <a:tcPr marL="68580" marR="68580" marT="0" marB="0"/>
-                </a:tc>
-                <a:tc>
-                  <a:txBody>
-                    <a:bodyPr/>
-                    <a:lstStyle/>
-                    <a:p>
-                      <a:pPr marL="0" marR="0" algn="just">
-                        <a:spcBef>
-                          <a:spcPts val="0"/>
-                        </a:spcBef>
-                        <a:spcAft>
-                          <a:spcPts val="0"/>
-                        </a:spcAft>
-                      </a:pPr>
-                      <a:r>
-                        <a:rPr lang="en-US" sz="2000" kern="100">
-                          <a:effectLst/>
-                        </a:rPr>
-                        <a:t>1920</a:t>
-                      </a:r>
-                      <a:endParaRPr lang="zh-CN" sz="2000" kern="100">
-                        <a:effectLst/>
-                        <a:latin typeface="Calibri"/>
-                        <a:ea typeface="宋体"/>
-                        <a:cs typeface="Times New Roman"/>
-                      </a:endParaRPr>
-                    </a:p>
-                  </a:txBody>
-                  <a:tcPr marL="68580" marR="68580" marT="0" marB="0"/>
-                </a:tc>
-                <a:tc>
-                  <a:txBody>
-                    <a:bodyPr/>
-                    <a:lstStyle/>
-                    <a:p>
-                      <a:pPr marL="0" marR="0" algn="just">
-                        <a:spcBef>
-                          <a:spcPts val="0"/>
-                        </a:spcBef>
-                        <a:spcAft>
-                          <a:spcPts val="0"/>
-                        </a:spcAft>
-                      </a:pPr>
-                      <a:r>
-                        <a:rPr lang="en-US" sz="2000" kern="100" dirty="0">
-                          <a:effectLst/>
-                        </a:rPr>
-                        <a:t>629</a:t>
-                      </a:r>
-                      <a:endParaRPr lang="zh-CN" sz="2000" kern="100" dirty="0">
-                        <a:effectLst/>
-                        <a:latin typeface="Calibri"/>
-                        <a:ea typeface="宋体"/>
-                        <a:cs typeface="Times New Roman"/>
-                      </a:endParaRPr>
-                    </a:p>
-                  </a:txBody>
-                  <a:tcPr marL="68580" marR="68580" marT="0" marB="0"/>
-                </a:tc>
-              </a:tr>
-              <a:tr h="359212">
-                <a:tc>
-                  <a:txBody>
-                    <a:bodyPr/>
-                    <a:lstStyle/>
-                    <a:p>
-                      <a:pPr marL="0" marR="0" algn="just">
-                        <a:spcBef>
-                          <a:spcPts val="0"/>
-                        </a:spcBef>
-                        <a:spcAft>
-                          <a:spcPts val="0"/>
-                        </a:spcAft>
-                      </a:pPr>
-                      <a:r>
-                        <a:rPr lang="en-US" sz="2000" kern="100">
-                          <a:effectLst/>
-                        </a:rPr>
-                        <a:t> </a:t>
-                      </a:r>
-                      <a:endParaRPr lang="zh-CN" sz="2000" kern="100">
-                        <a:effectLst/>
-                        <a:latin typeface="Calibri"/>
-                        <a:ea typeface="宋体"/>
-                        <a:cs typeface="Times New Roman"/>
-                      </a:endParaRPr>
-                    </a:p>
-                  </a:txBody>
-                  <a:tcPr marL="68580" marR="68580" marT="0" marB="0"/>
-                </a:tc>
-                <a:tc>
-                  <a:txBody>
-                    <a:bodyPr/>
-                    <a:lstStyle/>
-                    <a:p>
-                      <a:pPr marL="0" marR="0" algn="just">
-                        <a:spcBef>
-                          <a:spcPts val="0"/>
-                        </a:spcBef>
-                        <a:spcAft>
-                          <a:spcPts val="0"/>
-                        </a:spcAft>
-                      </a:pPr>
-                      <a:r>
-                        <a:rPr lang="en-US" sz="2000" kern="100">
-                          <a:effectLst/>
-                        </a:rPr>
-                        <a:t> </a:t>
-                      </a:r>
-                      <a:endParaRPr lang="zh-CN" sz="2000" kern="100">
-                        <a:effectLst/>
-                        <a:latin typeface="Calibri"/>
-                        <a:ea typeface="宋体"/>
-                        <a:cs typeface="Times New Roman"/>
-                      </a:endParaRPr>
-                    </a:p>
-                  </a:txBody>
-                  <a:tcPr marL="68580" marR="68580" marT="0" marB="0"/>
-                </a:tc>
-                <a:tc>
-                  <a:txBody>
-                    <a:bodyPr/>
-                    <a:lstStyle/>
-                    <a:p>
-                      <a:pPr marL="0" marR="0" algn="just">
-                        <a:spcBef>
-                          <a:spcPts val="0"/>
-                        </a:spcBef>
-                        <a:spcAft>
-                          <a:spcPts val="0"/>
-                        </a:spcAft>
-                      </a:pPr>
-                      <a:r>
-                        <a:rPr lang="en-US" sz="2000" kern="100">
-                          <a:effectLst/>
-                        </a:rPr>
-                        <a:t> </a:t>
-                      </a:r>
-                      <a:endParaRPr lang="zh-CN" sz="2000" kern="100">
-                        <a:effectLst/>
-                        <a:latin typeface="Calibri"/>
-                        <a:ea typeface="宋体"/>
-                        <a:cs typeface="Times New Roman"/>
-                      </a:endParaRPr>
-                    </a:p>
-                  </a:txBody>
-                  <a:tcPr marL="68580" marR="68580" marT="0" marB="0"/>
-                </a:tc>
-                <a:tc>
-                  <a:txBody>
-                    <a:bodyPr/>
-                    <a:lstStyle/>
-                    <a:p>
-                      <a:pPr marL="0" marR="0" algn="just">
-                        <a:spcBef>
-                          <a:spcPts val="0"/>
-                        </a:spcBef>
-                        <a:spcAft>
-                          <a:spcPts val="0"/>
-                        </a:spcAft>
-                      </a:pPr>
-                      <a:r>
-                        <a:rPr lang="en-US" sz="2000" kern="100">
-                          <a:effectLst/>
-                        </a:rPr>
-                        <a:t> </a:t>
-                      </a:r>
-                      <a:endParaRPr lang="zh-CN" sz="2000" kern="100">
-                        <a:effectLst/>
-                        <a:latin typeface="Calibri"/>
-                        <a:ea typeface="宋体"/>
-                        <a:cs typeface="Times New Roman"/>
-                      </a:endParaRPr>
-                    </a:p>
-                  </a:txBody>
-                  <a:tcPr marL="68580" marR="68580" marT="0" marB="0"/>
-                </a:tc>
-                <a:tc>
-                  <a:txBody>
-                    <a:bodyPr/>
-                    <a:lstStyle/>
-                    <a:p>
-                      <a:pPr marL="0" marR="0" algn="just">
-                        <a:spcBef>
-                          <a:spcPts val="0"/>
-                        </a:spcBef>
-                        <a:spcAft>
-                          <a:spcPts val="0"/>
-                        </a:spcAft>
-                      </a:pPr>
-                      <a:r>
-                        <a:rPr lang="en-US" sz="2000" kern="100">
-                          <a:effectLst/>
-                        </a:rPr>
-                        <a:t> </a:t>
-                      </a:r>
-                      <a:endParaRPr lang="zh-CN" sz="2000" kern="100">
-                        <a:effectLst/>
-                        <a:latin typeface="Calibri"/>
-                        <a:ea typeface="宋体"/>
-                        <a:cs typeface="Times New Roman"/>
-                      </a:endParaRPr>
-                    </a:p>
-                  </a:txBody>
-                  <a:tcPr marL="68580" marR="68580" marT="0" marB="0"/>
-                </a:tc>
-                <a:tc>
-                  <a:txBody>
-                    <a:bodyPr/>
-                    <a:lstStyle/>
-                    <a:p>
-                      <a:pPr marL="0" marR="0" algn="just">
-                        <a:spcBef>
-                          <a:spcPts val="0"/>
-                        </a:spcBef>
-                        <a:spcAft>
-                          <a:spcPts val="0"/>
-                        </a:spcAft>
-                      </a:pPr>
-                      <a:r>
-                        <a:rPr lang="en-US" sz="2000" kern="100">
-                          <a:effectLst/>
-                        </a:rPr>
-                        <a:t> </a:t>
-                      </a:r>
-                      <a:endParaRPr lang="zh-CN" sz="2000" kern="100">
-                        <a:effectLst/>
-                        <a:latin typeface="Calibri"/>
-                        <a:ea typeface="宋体"/>
-                        <a:cs typeface="Times New Roman"/>
-                      </a:endParaRPr>
-                    </a:p>
-                  </a:txBody>
-                  <a:tcPr marL="68580" marR="68580" marT="0" marB="0"/>
-                </a:tc>
-                <a:tc>
-                  <a:txBody>
-                    <a:bodyPr/>
-                    <a:lstStyle/>
-                    <a:p>
-                      <a:pPr marL="0" marR="0" algn="just">
-                        <a:spcBef>
-                          <a:spcPts val="0"/>
-                        </a:spcBef>
-                        <a:spcAft>
-                          <a:spcPts val="0"/>
-                        </a:spcAft>
-                      </a:pPr>
-                      <a:r>
-                        <a:rPr lang="en-US" sz="2000" kern="100" dirty="0">
-                          <a:effectLst/>
-                        </a:rPr>
-                        <a:t> </a:t>
-                      </a:r>
-                      <a:endParaRPr lang="zh-CN" sz="2000" kern="100" dirty="0">
-                        <a:effectLst/>
-                        <a:latin typeface="Calibri"/>
-                        <a:ea typeface="宋体"/>
-                        <a:cs typeface="Times New Roman"/>
-                      </a:endParaRPr>
-                    </a:p>
-                  </a:txBody>
-                  <a:tcPr marL="68580" marR="68580" marT="0" marB="0"/>
-                </a:tc>
-              </a:tr>
-              <a:tr h="359212">
-                <a:tc>
-                  <a:txBody>
-                    <a:bodyPr/>
-                    <a:lstStyle/>
-                    <a:p>
-                      <a:pPr marL="0" marR="0" algn="just">
-                        <a:spcBef>
-                          <a:spcPts val="0"/>
-                        </a:spcBef>
-                        <a:spcAft>
-                          <a:spcPts val="0"/>
-                        </a:spcAft>
-                      </a:pPr>
-                      <a:r>
-                        <a:rPr lang="en-US" sz="2000" kern="100">
-                          <a:effectLst/>
-                        </a:rPr>
-                        <a:t> </a:t>
-                      </a:r>
-                      <a:endParaRPr lang="zh-CN" sz="2000" kern="100">
-                        <a:effectLst/>
-                        <a:latin typeface="Calibri"/>
-                        <a:ea typeface="宋体"/>
-                        <a:cs typeface="Times New Roman"/>
-                      </a:endParaRPr>
-                    </a:p>
-                  </a:txBody>
-                  <a:tcPr marL="68580" marR="68580" marT="0" marB="0"/>
-                </a:tc>
-                <a:tc>
-                  <a:txBody>
-                    <a:bodyPr/>
-                    <a:lstStyle/>
-                    <a:p>
-                      <a:pPr marL="0" marR="0" algn="just">
-                        <a:spcBef>
-                          <a:spcPts val="0"/>
-                        </a:spcBef>
-                        <a:spcAft>
-                          <a:spcPts val="0"/>
-                        </a:spcAft>
-                      </a:pPr>
-                      <a:r>
-                        <a:rPr lang="en-US" sz="2000" kern="100">
-                          <a:effectLst/>
-                        </a:rPr>
-                        <a:t> </a:t>
-                      </a:r>
-                      <a:endParaRPr lang="zh-CN" sz="2000" kern="100">
-                        <a:effectLst/>
-                        <a:latin typeface="Calibri"/>
-                        <a:ea typeface="宋体"/>
-                        <a:cs typeface="Times New Roman"/>
-                      </a:endParaRPr>
-                    </a:p>
-                  </a:txBody>
-                  <a:tcPr marL="68580" marR="68580" marT="0" marB="0"/>
-                </a:tc>
-                <a:tc>
-                  <a:txBody>
-                    <a:bodyPr/>
-                    <a:lstStyle/>
-                    <a:p>
-                      <a:pPr marL="0" marR="0" algn="just">
-                        <a:spcBef>
-                          <a:spcPts val="0"/>
-                        </a:spcBef>
-                        <a:spcAft>
-                          <a:spcPts val="0"/>
-                        </a:spcAft>
-                      </a:pPr>
-                      <a:r>
-                        <a:rPr lang="en-US" sz="2000" kern="100">
-                          <a:effectLst/>
-                        </a:rPr>
-                        <a:t> </a:t>
-                      </a:r>
-                      <a:endParaRPr lang="zh-CN" sz="2000" kern="100">
-                        <a:effectLst/>
-                        <a:latin typeface="Calibri"/>
-                        <a:ea typeface="宋体"/>
-                        <a:cs typeface="Times New Roman"/>
-                      </a:endParaRPr>
-                    </a:p>
-                  </a:txBody>
-                  <a:tcPr marL="68580" marR="68580" marT="0" marB="0"/>
-                </a:tc>
-                <a:tc>
-                  <a:txBody>
-                    <a:bodyPr/>
-                    <a:lstStyle/>
-                    <a:p>
-                      <a:pPr marL="0" marR="0" algn="just">
-                        <a:spcBef>
-                          <a:spcPts val="0"/>
-                        </a:spcBef>
-                        <a:spcAft>
-                          <a:spcPts val="0"/>
-                        </a:spcAft>
-                      </a:pPr>
-                      <a:r>
-                        <a:rPr lang="en-US" sz="2000" kern="100">
-                          <a:effectLst/>
-                        </a:rPr>
-                        <a:t> </a:t>
-                      </a:r>
-                      <a:endParaRPr lang="zh-CN" sz="2000" kern="100">
-                        <a:effectLst/>
-                        <a:latin typeface="Calibri"/>
-                        <a:ea typeface="宋体"/>
-                        <a:cs typeface="Times New Roman"/>
-                      </a:endParaRPr>
-                    </a:p>
-                  </a:txBody>
-                  <a:tcPr marL="68580" marR="68580" marT="0" marB="0"/>
-                </a:tc>
-                <a:tc>
-                  <a:txBody>
-                    <a:bodyPr/>
-                    <a:lstStyle/>
-                    <a:p>
-                      <a:pPr marL="0" marR="0" algn="just">
-                        <a:spcBef>
-                          <a:spcPts val="0"/>
-                        </a:spcBef>
-                        <a:spcAft>
-                          <a:spcPts val="0"/>
-                        </a:spcAft>
-                      </a:pPr>
-                      <a:r>
-                        <a:rPr lang="en-US" sz="2000" kern="100">
-                          <a:effectLst/>
-                        </a:rPr>
-                        <a:t> </a:t>
-                      </a:r>
-                      <a:endParaRPr lang="zh-CN" sz="2000" kern="100">
-                        <a:effectLst/>
-                        <a:latin typeface="Calibri"/>
-                        <a:ea typeface="宋体"/>
-                        <a:cs typeface="Times New Roman"/>
-                      </a:endParaRPr>
-                    </a:p>
-                  </a:txBody>
-                  <a:tcPr marL="68580" marR="68580" marT="0" marB="0"/>
-                </a:tc>
-                <a:tc>
-                  <a:txBody>
-                    <a:bodyPr/>
-                    <a:lstStyle/>
-                    <a:p>
-                      <a:pPr marL="0" marR="0" algn="just">
-                        <a:spcBef>
-                          <a:spcPts val="0"/>
-                        </a:spcBef>
-                        <a:spcAft>
-                          <a:spcPts val="0"/>
-                        </a:spcAft>
-                      </a:pPr>
-                      <a:r>
-                        <a:rPr lang="en-US" sz="2000" kern="100">
-                          <a:effectLst/>
-                        </a:rPr>
-                        <a:t> </a:t>
-                      </a:r>
-                      <a:endParaRPr lang="zh-CN" sz="2000" kern="100">
-                        <a:effectLst/>
-                        <a:latin typeface="Calibri"/>
-                        <a:ea typeface="宋体"/>
-                        <a:cs typeface="Times New Roman"/>
-                      </a:endParaRPr>
-                    </a:p>
-                  </a:txBody>
-                  <a:tcPr marL="68580" marR="68580" marT="0" marB="0"/>
-                </a:tc>
-                <a:tc>
-                  <a:txBody>
-                    <a:bodyPr/>
-                    <a:lstStyle/>
-                    <a:p>
-                      <a:pPr marL="0" marR="0" algn="just">
-                        <a:spcBef>
-                          <a:spcPts val="0"/>
-                        </a:spcBef>
-                        <a:spcAft>
-                          <a:spcPts val="0"/>
-                        </a:spcAft>
-                      </a:pPr>
-                      <a:r>
-                        <a:rPr lang="en-US" sz="2000" kern="100" dirty="0">
-                          <a:effectLst/>
-                        </a:rPr>
-                        <a:t> </a:t>
+                        <a:t>1155</a:t>
                       </a:r>
                       <a:endParaRPr lang="zh-CN" sz="2000" kern="100" dirty="0">
                         <a:effectLst/>
@@ -5239,7 +5219,7 @@
 </p:sld>
 </file>
 
-<file path=ppt/slides/slide11.xml><?xml version="1.0" encoding="utf-8"?>
+<file path=ppt/slides/slide15.xml><?xml version="1.0" encoding="utf-8"?>
 <p:sld xmlns:a="http://schemas.openxmlformats.org/drawingml/2006/main" xmlns:r="http://schemas.openxmlformats.org/officeDocument/2006/relationships" xmlns:p="http://schemas.openxmlformats.org/presentationml/2006/main">
   <p:cSld>
     <p:spTree>
@@ -5273,12 +5253,8 @@
           <a:p>
             <a:pPr algn="l"/>
             <a:r>
-              <a:rPr lang="en-US" altLang="zh-CN" smtClean="0"/>
-              <a:t>Report(continue</a:t>
-            </a:r>
-            <a:r>
               <a:rPr lang="en-US" altLang="zh-CN" dirty="0" smtClean="0"/>
-              <a:t>)</a:t>
+              <a:t>Report(compare)</a:t>
             </a:r>
             <a:endParaRPr lang="zh-CN" altLang="en-US" dirty="0"/>
           </a:p>
@@ -5294,14 +5270,14 @@
             <p:ph idx="1"/>
             <p:extLst>
               <p:ext uri="{D42A27DB-BD31-4B8C-83A1-F6EECF244321}">
-                <p14:modId xmlns:p14="http://schemas.microsoft.com/office/powerpoint/2010/main" val="370161053"/>
+                <p14:modId xmlns:p14="http://schemas.microsoft.com/office/powerpoint/2010/main" val="1247650688"/>
               </p:ext>
             </p:extLst>
           </p:nvPr>
         </p:nvGraphicFramePr>
         <p:xfrm>
           <a:off x="611559" y="1628802"/>
-          <a:ext cx="7992889" cy="4608509"/>
+          <a:ext cx="8352928" cy="4863165"/>
         </p:xfrm>
         <a:graphic>
           <a:graphicData uri="http://schemas.openxmlformats.org/drawingml/2006/table">
@@ -5310,15 +5286,15 @@
                 <a:tableStyleId>{5C22544A-7EE6-4342-B048-85BDC9FD1C3A}</a:tableStyleId>
               </a:tblPr>
               <a:tblGrid>
-                <a:gridCol w="1137889"/>
-                <a:gridCol w="1137889"/>
-                <a:gridCol w="1179384"/>
-                <a:gridCol w="1180307"/>
-                <a:gridCol w="1180307"/>
-                <a:gridCol w="1130513"/>
-                <a:gridCol w="1046600"/>
+                <a:gridCol w="1189145"/>
+                <a:gridCol w="1189145"/>
+                <a:gridCol w="1232509"/>
+                <a:gridCol w="1233474"/>
+                <a:gridCol w="1233474"/>
+                <a:gridCol w="1181437"/>
+                <a:gridCol w="1093744"/>
               </a:tblGrid>
-              <a:tr h="370799">
+              <a:tr h="400520">
                 <a:tc rowSpan="2">
                   <a:txBody>
                     <a:bodyPr/>
@@ -5333,12 +5309,12 @@
                         </a:spcAft>
                       </a:pPr>
                       <a:r>
-                        <a:rPr lang="en-US" sz="1050" kern="100" dirty="0">
+                        <a:rPr lang="en-US" sz="2000" kern="100" dirty="0">
                           <a:effectLst/>
                         </a:rPr>
                         <a:t>CPU</a:t>
                       </a:r>
-                      <a:endParaRPr lang="zh-CN" sz="1050" kern="100" dirty="0">
+                      <a:endParaRPr lang="zh-CN" sz="2000" kern="100" dirty="0">
                         <a:effectLst/>
                         <a:latin typeface="Calibri"/>
                         <a:ea typeface="宋体"/>
@@ -5362,12 +5338,12 @@
                         </a:spcAft>
                       </a:pPr>
                       <a:r>
-                        <a:rPr lang="en-US" sz="1050" kern="100">
+                        <a:rPr lang="en-US" sz="2000" kern="100">
                           <a:effectLst/>
                         </a:rPr>
                         <a:t>TIME(ns)</a:t>
                       </a:r>
-                      <a:endParaRPr lang="zh-CN" sz="1050" kern="100">
+                      <a:endParaRPr lang="zh-CN" sz="2000" kern="100">
                         <a:effectLst/>
                         <a:latin typeface="Calibri"/>
                         <a:ea typeface="宋体"/>
@@ -5428,7 +5404,7 @@
                   <a:tcPr/>
                 </a:tc>
               </a:tr>
-              <a:tr h="370799">
+              <a:tr h="658461">
                 <a:tc vMerge="1">
                   <a:txBody>
                     <a:bodyPr/>
@@ -5453,12 +5429,12 @@
                         </a:spcAft>
                       </a:pPr>
                       <a:r>
-                        <a:rPr lang="en-US" sz="1050" kern="100">
+                        <a:rPr lang="en-US" sz="2000" kern="100" dirty="0">
                           <a:effectLst/>
                         </a:rPr>
                         <a:t>Float add</a:t>
                       </a:r>
-                      <a:endParaRPr lang="zh-CN" sz="1050" kern="100">
+                      <a:endParaRPr lang="zh-CN" sz="2000" kern="100" dirty="0">
                         <a:effectLst/>
                         <a:latin typeface="Calibri"/>
                         <a:ea typeface="宋体"/>
@@ -5482,12 +5458,12 @@
                         </a:spcAft>
                       </a:pPr>
                       <a:r>
-                        <a:rPr lang="en-US" sz="1050" kern="100">
+                        <a:rPr lang="en-US" sz="2000" kern="100">
                           <a:effectLst/>
                         </a:rPr>
                         <a:t>Float sub</a:t>
                       </a:r>
-                      <a:endParaRPr lang="zh-CN" sz="1050" kern="100">
+                      <a:endParaRPr lang="zh-CN" sz="2000" kern="100">
                         <a:effectLst/>
                         <a:latin typeface="Calibri"/>
                         <a:ea typeface="宋体"/>
@@ -5511,12 +5487,12 @@
                         </a:spcAft>
                       </a:pPr>
                       <a:r>
-                        <a:rPr lang="en-US" sz="1050" kern="100">
+                        <a:rPr lang="en-US" sz="2000" kern="100">
                           <a:effectLst/>
                         </a:rPr>
                         <a:t>Double add</a:t>
                       </a:r>
-                      <a:endParaRPr lang="zh-CN" sz="1050" kern="100">
+                      <a:endParaRPr lang="zh-CN" sz="2000" kern="100">
                         <a:effectLst/>
                         <a:latin typeface="Calibri"/>
                         <a:ea typeface="宋体"/>
@@ -5540,12 +5516,12 @@
                         </a:spcAft>
                       </a:pPr>
                       <a:r>
-                        <a:rPr lang="en-US" sz="1050" kern="100">
+                        <a:rPr lang="en-US" sz="2000" kern="100">
                           <a:effectLst/>
                         </a:rPr>
                         <a:t>Double sub</a:t>
                       </a:r>
-                      <a:endParaRPr lang="zh-CN" sz="1050" kern="100">
+                      <a:endParaRPr lang="zh-CN" sz="2000" kern="100">
                         <a:effectLst/>
                         <a:latin typeface="Calibri"/>
                         <a:ea typeface="宋体"/>
@@ -5569,12 +5545,12 @@
                         </a:spcAft>
                       </a:pPr>
                       <a:r>
-                        <a:rPr lang="en-US" sz="1050" kern="100">
+                        <a:rPr lang="en-US" sz="2000" kern="100">
                           <a:effectLst/>
                         </a:rPr>
                         <a:t>AND</a:t>
                       </a:r>
-                      <a:endParaRPr lang="zh-CN" sz="1050" kern="100">
+                      <a:endParaRPr lang="zh-CN" sz="2000" kern="100">
                         <a:effectLst/>
                         <a:latin typeface="Calibri"/>
                         <a:ea typeface="宋体"/>
@@ -5598,12 +5574,12 @@
                         </a:spcAft>
                       </a:pPr>
                       <a:r>
-                        <a:rPr lang="en-US" sz="1050" kern="100">
+                        <a:rPr lang="en-US" sz="2000" kern="100">
                           <a:effectLst/>
                         </a:rPr>
                         <a:t>XOR</a:t>
                       </a:r>
-                      <a:endParaRPr lang="zh-CN" sz="1050" kern="100">
+                      <a:endParaRPr lang="zh-CN" sz="2000" kern="100">
                         <a:effectLst/>
                         <a:latin typeface="Calibri"/>
                         <a:ea typeface="宋体"/>
@@ -5614,12 +5590,39 @@
                   <a:tcPr marL="68580" marR="68580" marT="0" marB="0"/>
                 </a:tc>
               </a:tr>
-              <a:tr h="1483200">
+              <a:tr h="1975384">
                 <a:tc>
                   <a:txBody>
                     <a:bodyPr/>
                     <a:lstStyle/>
                     <a:p>
+                      <a:pPr marL="0" marR="0" indent="0" algn="just" defTabSz="914400" rtl="0" eaLnBrk="1" fontAlgn="auto" latinLnBrk="0" hangingPunct="1">
+                        <a:lnSpc>
+                          <a:spcPct val="100000"/>
+                        </a:lnSpc>
+                        <a:spcBef>
+                          <a:spcPts val="0"/>
+                        </a:spcBef>
+                        <a:spcAft>
+                          <a:spcPts val="0"/>
+                        </a:spcAft>
+                        <a:buClrTx/>
+                        <a:buSzTx/>
+                        <a:buFontTx/>
+                        <a:buNone/>
+                        <a:tabLst/>
+                        <a:defRPr/>
+                      </a:pPr>
+                      <a:r>
+                        <a:rPr lang="en-US" sz="2000" kern="100" dirty="0" smtClean="0"/>
+                        <a:t>Intel(R) Core(TM) i7-4790 CPU @ 3.60GHz</a:t>
+                      </a:r>
+                      <a:endParaRPr lang="zh-CN" altLang="en-US" sz="2000" kern="100" dirty="0" smtClean="0">
+                        <a:ea typeface="宋体"/>
+                        <a:cs typeface="Times New Roman"/>
+                      </a:endParaRPr>
+                    </a:p>
+                    <a:p>
                       <a:pPr marL="0" marR="0" algn="just">
                         <a:spcBef>
                           <a:spcPts val="0"/>
@@ -5628,13 +5631,7 @@
                           <a:spcPts val="0"/>
                         </a:spcAft>
                       </a:pPr>
-                      <a:r>
-                        <a:rPr lang="en-US" sz="1050" kern="100">
-                          <a:effectLst/>
-                        </a:rPr>
-                        <a:t>Intel I5-2410M CPU @ 2.30GHz</a:t>
-                      </a:r>
-                      <a:endParaRPr lang="zh-CN" sz="1050" kern="100">
+                      <a:endParaRPr lang="zh-CN" sz="2000" kern="100" dirty="0">
                         <a:effectLst/>
                         <a:latin typeface="Calibri"/>
                         <a:ea typeface="宋体"/>
@@ -5658,12 +5655,12 @@
                         </a:spcAft>
                       </a:pPr>
                       <a:r>
-                        <a:rPr lang="en-US" sz="1050" kern="100">
+                        <a:rPr lang="en-US" sz="2000" kern="100" dirty="0" smtClean="0">
                           <a:effectLst/>
                         </a:rPr>
-                        <a:t>624</a:t>
+                        <a:t>172</a:t>
                       </a:r>
-                      <a:endParaRPr lang="zh-CN" sz="1050" kern="100">
+                      <a:endParaRPr lang="zh-CN" sz="2000" kern="100" dirty="0">
                         <a:effectLst/>
                         <a:latin typeface="Calibri"/>
                         <a:ea typeface="宋体"/>
@@ -5687,12 +5684,12 @@
                         </a:spcAft>
                       </a:pPr>
                       <a:r>
-                        <a:rPr lang="en-US" sz="1050" kern="100">
+                        <a:rPr lang="en-US" sz="2000" kern="100" dirty="0" smtClean="0">
                           <a:effectLst/>
                         </a:rPr>
-                        <a:t>2722</a:t>
+                        <a:t>480</a:t>
                       </a:r>
-                      <a:endParaRPr lang="zh-CN" sz="1050" kern="100">
+                      <a:endParaRPr lang="zh-CN" sz="2000" kern="100" dirty="0">
                         <a:effectLst/>
                         <a:latin typeface="Calibri"/>
                         <a:ea typeface="宋体"/>
@@ -5716,12 +5713,12 @@
                         </a:spcAft>
                       </a:pPr>
                       <a:r>
-                        <a:rPr lang="en-US" sz="1050" kern="100">
+                        <a:rPr lang="en-US" sz="2000" kern="100" dirty="0" smtClean="0">
                           <a:effectLst/>
                         </a:rPr>
-                        <a:t>1695</a:t>
+                        <a:t>580</a:t>
                       </a:r>
-                      <a:endParaRPr lang="zh-CN" sz="1050" kern="100">
+                      <a:endParaRPr lang="zh-CN" sz="2000" kern="100" dirty="0">
                         <a:effectLst/>
                         <a:latin typeface="Calibri"/>
                         <a:ea typeface="宋体"/>
@@ -5745,12 +5742,12 @@
                         </a:spcAft>
                       </a:pPr>
                       <a:r>
-                        <a:rPr lang="en-US" sz="1050" kern="100" dirty="0">
+                        <a:rPr lang="en-US" sz="2000" kern="100" dirty="0" smtClean="0">
                           <a:effectLst/>
                         </a:rPr>
-                        <a:t>1740</a:t>
+                        <a:t>1080</a:t>
                       </a:r>
-                      <a:endParaRPr lang="zh-CN" sz="1050" kern="100" dirty="0">
+                      <a:endParaRPr lang="zh-CN" sz="2000" kern="100" dirty="0">
                         <a:effectLst/>
                         <a:latin typeface="Calibri"/>
                         <a:ea typeface="宋体"/>
@@ -5774,12 +5771,12 @@
                         </a:spcAft>
                       </a:pPr>
                       <a:r>
-                        <a:rPr lang="en-US" sz="1050" kern="100">
+                        <a:rPr lang="en-US" sz="2000" kern="100" dirty="0" smtClean="0">
                           <a:effectLst/>
                         </a:rPr>
-                        <a:t>1338</a:t>
+                        <a:t>496</a:t>
                       </a:r>
-                      <a:endParaRPr lang="zh-CN" sz="1050" kern="100">
+                      <a:endParaRPr lang="zh-CN" sz="2000" kern="100" dirty="0">
                         <a:effectLst/>
                         <a:latin typeface="Calibri"/>
                         <a:ea typeface="宋体"/>
@@ -5803,12 +5800,12 @@
                         </a:spcAft>
                       </a:pPr>
                       <a:r>
-                        <a:rPr lang="en-US" sz="1050" kern="100">
+                        <a:rPr lang="en-US" sz="2000" kern="100" dirty="0" smtClean="0">
                           <a:effectLst/>
                         </a:rPr>
-                        <a:t>2007</a:t>
+                        <a:t>603</a:t>
                       </a:r>
-                      <a:endParaRPr lang="zh-CN" sz="1050" kern="100">
+                      <a:endParaRPr lang="zh-CN" sz="2000" kern="100" dirty="0">
                         <a:effectLst/>
                         <a:latin typeface="Calibri"/>
                         <a:ea typeface="宋体"/>
@@ -5819,12 +5816,39 @@
                   <a:tcPr marL="68580" marR="68580" marT="0" marB="0"/>
                 </a:tc>
               </a:tr>
-              <a:tr h="1271314">
+              <a:tr h="1646153">
                 <a:tc>
                   <a:txBody>
                     <a:bodyPr/>
                     <a:lstStyle/>
                     <a:p>
+                      <a:pPr marL="0" marR="0" indent="0" algn="just" defTabSz="914400" rtl="0" eaLnBrk="1" fontAlgn="auto" latinLnBrk="0" hangingPunct="1">
+                        <a:lnSpc>
+                          <a:spcPct val="100000"/>
+                        </a:lnSpc>
+                        <a:spcBef>
+                          <a:spcPts val="0"/>
+                        </a:spcBef>
+                        <a:spcAft>
+                          <a:spcPts val="0"/>
+                        </a:spcAft>
+                        <a:buClrTx/>
+                        <a:buSzTx/>
+                        <a:buFontTx/>
+                        <a:buNone/>
+                        <a:tabLst/>
+                        <a:defRPr/>
+                      </a:pPr>
+                      <a:r>
+                        <a:rPr lang="en-US" sz="2000" kern="100" dirty="0" smtClean="0"/>
+                        <a:t>Intel(R) Core(TM) I7-6700 CPU @ 3.40GHz</a:t>
+                      </a:r>
+                      <a:endParaRPr lang="zh-CN" altLang="en-US" sz="2000" kern="100" dirty="0" smtClean="0">
+                        <a:ea typeface="宋体"/>
+                        <a:cs typeface="Times New Roman"/>
+                      </a:endParaRPr>
+                    </a:p>
+                    <a:p>
                       <a:pPr marL="0" marR="0" algn="just">
                         <a:spcBef>
                           <a:spcPts val="0"/>
@@ -5833,13 +5857,7 @@
                           <a:spcPts val="0"/>
                         </a:spcAft>
                       </a:pPr>
-                      <a:r>
-                        <a:rPr lang="en-US" sz="900" kern="100">
-                          <a:effectLst/>
-                        </a:rPr>
-                        <a:t>Intel(R) Core(TM) i7-4790 CPU @ 3.60GHz</a:t>
-                      </a:r>
-                      <a:endParaRPr lang="zh-CN" sz="1050" kern="100">
+                      <a:endParaRPr lang="zh-CN" sz="2000" kern="100" dirty="0">
                         <a:effectLst/>
                         <a:latin typeface="Calibri"/>
                         <a:ea typeface="宋体"/>
@@ -5863,12 +5881,15 @@
                         </a:spcAft>
                       </a:pPr>
                       <a:r>
-                        <a:rPr lang="en-US" sz="900" kern="100">
+                        <a:rPr lang="en-US" altLang="zh-CN" sz="2000" kern="100" dirty="0" smtClean="0">
                           <a:effectLst/>
+                          <a:latin typeface="Calibri"/>
+                          <a:ea typeface="宋体"/>
+                          <a:cs typeface="Times New Roman"/>
                         </a:rPr>
-                        <a:t>172</a:t>
+                        <a:t>360</a:t>
                       </a:r>
-                      <a:endParaRPr lang="zh-CN" sz="1050" kern="100">
+                      <a:endParaRPr lang="zh-CN" sz="2000" kern="100" dirty="0">
                         <a:effectLst/>
                         <a:latin typeface="Calibri"/>
                         <a:ea typeface="宋体"/>
@@ -5892,12 +5913,15 @@
                         </a:spcAft>
                       </a:pPr>
                       <a:r>
-                        <a:rPr lang="en-US" sz="900" kern="100">
+                        <a:rPr lang="en-US" altLang="zh-CN" sz="2000" kern="100" dirty="0" smtClean="0">
                           <a:effectLst/>
+                          <a:latin typeface="Calibri"/>
+                          <a:ea typeface="宋体"/>
+                          <a:cs typeface="Times New Roman"/>
                         </a:rPr>
-                        <a:t>480</a:t>
+                        <a:t>1111</a:t>
                       </a:r>
-                      <a:endParaRPr lang="zh-CN" sz="1050" kern="100">
+                      <a:endParaRPr lang="zh-CN" sz="2000" kern="100" dirty="0">
                         <a:effectLst/>
                         <a:latin typeface="Calibri"/>
                         <a:ea typeface="宋体"/>
@@ -5921,12 +5945,15 @@
                         </a:spcAft>
                       </a:pPr>
                       <a:r>
-                        <a:rPr lang="en-US" sz="900" kern="100">
+                        <a:rPr lang="en-US" altLang="zh-CN" sz="2000" kern="100" dirty="0" smtClean="0">
                           <a:effectLst/>
+                          <a:latin typeface="Calibri"/>
+                          <a:ea typeface="宋体"/>
+                          <a:cs typeface="Times New Roman"/>
                         </a:rPr>
-                        <a:t>583</a:t>
+                        <a:t>1231</a:t>
                       </a:r>
-                      <a:endParaRPr lang="zh-CN" sz="1050" kern="100">
+                      <a:endParaRPr lang="zh-CN" sz="2000" kern="100" dirty="0">
                         <a:effectLst/>
                         <a:latin typeface="Calibri"/>
                         <a:ea typeface="宋体"/>
@@ -5950,12 +5977,15 @@
                         </a:spcAft>
                       </a:pPr>
                       <a:r>
-                        <a:rPr lang="en-US" sz="900" kern="100">
+                        <a:rPr lang="en-US" altLang="zh-CN" sz="2000" kern="100" dirty="0" smtClean="0">
                           <a:effectLst/>
+                          <a:latin typeface="Calibri"/>
+                          <a:ea typeface="宋体"/>
+                          <a:cs typeface="Times New Roman"/>
                         </a:rPr>
-                        <a:t>1080</a:t>
+                        <a:t>1111</a:t>
                       </a:r>
-                      <a:endParaRPr lang="zh-CN" sz="1050" kern="100">
+                      <a:endParaRPr lang="zh-CN" sz="2000" kern="100" dirty="0">
                         <a:effectLst/>
                         <a:latin typeface="Calibri"/>
                         <a:ea typeface="宋体"/>
@@ -5979,12 +6009,15 @@
                         </a:spcAft>
                       </a:pPr>
                       <a:r>
-                        <a:rPr lang="en-US" sz="900" kern="100">
+                        <a:rPr lang="en-US" altLang="zh-CN" sz="2000" kern="100" dirty="0" smtClean="0">
                           <a:effectLst/>
+                          <a:latin typeface="Calibri"/>
+                          <a:ea typeface="宋体"/>
+                          <a:cs typeface="Times New Roman"/>
                         </a:rPr>
-                        <a:t>496</a:t>
+                        <a:t>1051</a:t>
                       </a:r>
-                      <a:endParaRPr lang="zh-CN" sz="1050" kern="100">
+                      <a:endParaRPr lang="zh-CN" sz="2000" kern="100" dirty="0">
                         <a:effectLst/>
                         <a:latin typeface="Calibri"/>
                         <a:ea typeface="宋体"/>
@@ -6008,627 +6041,15 @@
                         </a:spcAft>
                       </a:pPr>
                       <a:r>
-                        <a:rPr lang="en-US" sz="900" kern="100">
+                        <a:rPr lang="en-US" altLang="zh-CN" sz="2000" kern="100" dirty="0" smtClean="0">
                           <a:effectLst/>
+                          <a:latin typeface="Calibri"/>
+                          <a:ea typeface="宋体"/>
+                          <a:cs typeface="Times New Roman"/>
                         </a:rPr>
-                        <a:t>603</a:t>
+                        <a:t>1021</a:t>
                       </a:r>
-                      <a:endParaRPr lang="zh-CN" sz="1050" kern="100">
-                        <a:effectLst/>
-                        <a:latin typeface="Calibri"/>
-                        <a:ea typeface="宋体"/>
-                        <a:cs typeface="Times New Roman"/>
-                      </a:endParaRPr>
-                    </a:p>
-                  </a:txBody>
-                  <a:tcPr marL="68580" marR="68580" marT="0" marB="0"/>
-                </a:tc>
-              </a:tr>
-              <a:tr h="370799">
-                <a:tc>
-                  <a:txBody>
-                    <a:bodyPr/>
-                    <a:lstStyle/>
-                    <a:p>
-                      <a:pPr marL="0" marR="0" algn="just">
-                        <a:spcBef>
-                          <a:spcPts val="0"/>
-                        </a:spcBef>
-                        <a:spcAft>
-                          <a:spcPts val="0"/>
-                        </a:spcAft>
-                      </a:pPr>
-                      <a:r>
-                        <a:rPr lang="en-US" sz="1050" kern="100">
-                          <a:effectLst/>
-                        </a:rPr>
-                        <a:t> </a:t>
-                      </a:r>
-                      <a:endParaRPr lang="zh-CN" sz="1050" kern="100">
-                        <a:effectLst/>
-                        <a:latin typeface="Calibri"/>
-                        <a:ea typeface="宋体"/>
-                        <a:cs typeface="Times New Roman"/>
-                      </a:endParaRPr>
-                    </a:p>
-                  </a:txBody>
-                  <a:tcPr marL="68580" marR="68580" marT="0" marB="0"/>
-                </a:tc>
-                <a:tc>
-                  <a:txBody>
-                    <a:bodyPr/>
-                    <a:lstStyle/>
-                    <a:p>
-                      <a:pPr marL="0" marR="0" algn="just">
-                        <a:spcBef>
-                          <a:spcPts val="0"/>
-                        </a:spcBef>
-                        <a:spcAft>
-                          <a:spcPts val="0"/>
-                        </a:spcAft>
-                      </a:pPr>
-                      <a:r>
-                        <a:rPr lang="en-US" sz="900" kern="100">
-                          <a:effectLst/>
-                        </a:rPr>
-                        <a:t>165</a:t>
-                      </a:r>
-                      <a:endParaRPr lang="zh-CN" sz="1050" kern="100">
-                        <a:effectLst/>
-                        <a:latin typeface="Calibri"/>
-                        <a:ea typeface="宋体"/>
-                        <a:cs typeface="Times New Roman"/>
-                      </a:endParaRPr>
-                    </a:p>
-                  </a:txBody>
-                  <a:tcPr marL="68580" marR="68580" marT="0" marB="0"/>
-                </a:tc>
-                <a:tc>
-                  <a:txBody>
-                    <a:bodyPr/>
-                    <a:lstStyle/>
-                    <a:p>
-                      <a:pPr marL="0" marR="0" algn="just">
-                        <a:spcBef>
-                          <a:spcPts val="0"/>
-                        </a:spcBef>
-                        <a:spcAft>
-                          <a:spcPts val="0"/>
-                        </a:spcAft>
-                      </a:pPr>
-                      <a:r>
-                        <a:rPr lang="en-US" sz="900" kern="100">
-                          <a:effectLst/>
-                        </a:rPr>
-                        <a:t>794</a:t>
-                      </a:r>
-                      <a:endParaRPr lang="zh-CN" sz="1050" kern="100">
-                        <a:effectLst/>
-                        <a:latin typeface="Calibri"/>
-                        <a:ea typeface="宋体"/>
-                        <a:cs typeface="Times New Roman"/>
-                      </a:endParaRPr>
-                    </a:p>
-                  </a:txBody>
-                  <a:tcPr marL="68580" marR="68580" marT="0" marB="0"/>
-                </a:tc>
-                <a:tc>
-                  <a:txBody>
-                    <a:bodyPr/>
-                    <a:lstStyle/>
-                    <a:p>
-                      <a:pPr marL="0" marR="0" algn="just">
-                        <a:spcBef>
-                          <a:spcPts val="0"/>
-                        </a:spcBef>
-                        <a:spcAft>
-                          <a:spcPts val="0"/>
-                        </a:spcAft>
-                      </a:pPr>
-                      <a:r>
-                        <a:rPr lang="en-US" sz="900" kern="100">
-                          <a:effectLst/>
-                        </a:rPr>
-                        <a:t>1059</a:t>
-                      </a:r>
-                      <a:endParaRPr lang="zh-CN" sz="1050" kern="100">
-                        <a:effectLst/>
-                        <a:latin typeface="Calibri"/>
-                        <a:ea typeface="宋体"/>
-                        <a:cs typeface="Times New Roman"/>
-                      </a:endParaRPr>
-                    </a:p>
-                  </a:txBody>
-                  <a:tcPr marL="68580" marR="68580" marT="0" marB="0"/>
-                </a:tc>
-                <a:tc>
-                  <a:txBody>
-                    <a:bodyPr/>
-                    <a:lstStyle/>
-                    <a:p>
-                      <a:pPr marL="0" marR="0" algn="just">
-                        <a:spcBef>
-                          <a:spcPts val="0"/>
-                        </a:spcBef>
-                        <a:spcAft>
-                          <a:spcPts val="0"/>
-                        </a:spcAft>
-                      </a:pPr>
-                      <a:r>
-                        <a:rPr lang="en-US" sz="900" kern="100">
-                          <a:effectLst/>
-                        </a:rPr>
-                        <a:t>827</a:t>
-                      </a:r>
-                      <a:endParaRPr lang="zh-CN" sz="1050" kern="100">
-                        <a:effectLst/>
-                        <a:latin typeface="Calibri"/>
-                        <a:ea typeface="宋体"/>
-                        <a:cs typeface="Times New Roman"/>
-                      </a:endParaRPr>
-                    </a:p>
-                  </a:txBody>
-                  <a:tcPr marL="68580" marR="68580" marT="0" marB="0"/>
-                </a:tc>
-                <a:tc>
-                  <a:txBody>
-                    <a:bodyPr/>
-                    <a:lstStyle/>
-                    <a:p>
-                      <a:pPr marL="0" marR="0" algn="just">
-                        <a:spcBef>
-                          <a:spcPts val="0"/>
-                        </a:spcBef>
-                        <a:spcAft>
-                          <a:spcPts val="0"/>
-                        </a:spcAft>
-                      </a:pPr>
-                      <a:r>
-                        <a:rPr lang="en-US" sz="900" kern="100">
-                          <a:effectLst/>
-                        </a:rPr>
-                        <a:t>1920</a:t>
-                      </a:r>
-                      <a:endParaRPr lang="zh-CN" sz="1050" kern="100">
-                        <a:effectLst/>
-                        <a:latin typeface="Calibri"/>
-                        <a:ea typeface="宋体"/>
-                        <a:cs typeface="Times New Roman"/>
-                      </a:endParaRPr>
-                    </a:p>
-                  </a:txBody>
-                  <a:tcPr marL="68580" marR="68580" marT="0" marB="0"/>
-                </a:tc>
-                <a:tc>
-                  <a:txBody>
-                    <a:bodyPr/>
-                    <a:lstStyle/>
-                    <a:p>
-                      <a:pPr marL="0" marR="0" algn="just">
-                        <a:spcBef>
-                          <a:spcPts val="0"/>
-                        </a:spcBef>
-                        <a:spcAft>
-                          <a:spcPts val="0"/>
-                        </a:spcAft>
-                      </a:pPr>
-                      <a:r>
-                        <a:rPr lang="en-US" sz="900" kern="100">
-                          <a:effectLst/>
-                        </a:rPr>
-                        <a:t>629</a:t>
-                      </a:r>
-                      <a:endParaRPr lang="zh-CN" sz="1050" kern="100">
-                        <a:effectLst/>
-                        <a:latin typeface="Calibri"/>
-                        <a:ea typeface="宋体"/>
-                        <a:cs typeface="Times New Roman"/>
-                      </a:endParaRPr>
-                    </a:p>
-                  </a:txBody>
-                  <a:tcPr marL="68580" marR="68580" marT="0" marB="0"/>
-                </a:tc>
-              </a:tr>
-              <a:tr h="370799">
-                <a:tc>
-                  <a:txBody>
-                    <a:bodyPr/>
-                    <a:lstStyle/>
-                    <a:p>
-                      <a:pPr marL="0" marR="0" algn="just">
-                        <a:spcBef>
-                          <a:spcPts val="0"/>
-                        </a:spcBef>
-                        <a:spcAft>
-                          <a:spcPts val="0"/>
-                        </a:spcAft>
-                      </a:pPr>
-                      <a:r>
-                        <a:rPr lang="en-US" sz="1050" kern="100">
-                          <a:effectLst/>
-                        </a:rPr>
-                        <a:t> </a:t>
-                      </a:r>
-                      <a:endParaRPr lang="zh-CN" sz="1050" kern="100">
-                        <a:effectLst/>
-                        <a:latin typeface="Calibri"/>
-                        <a:ea typeface="宋体"/>
-                        <a:cs typeface="Times New Roman"/>
-                      </a:endParaRPr>
-                    </a:p>
-                  </a:txBody>
-                  <a:tcPr marL="68580" marR="68580" marT="0" marB="0"/>
-                </a:tc>
-                <a:tc>
-                  <a:txBody>
-                    <a:bodyPr/>
-                    <a:lstStyle/>
-                    <a:p>
-                      <a:pPr marL="0" marR="0" algn="just">
-                        <a:spcBef>
-                          <a:spcPts val="0"/>
-                        </a:spcBef>
-                        <a:spcAft>
-                          <a:spcPts val="0"/>
-                        </a:spcAft>
-                      </a:pPr>
-                      <a:r>
-                        <a:rPr lang="en-US" sz="1050" kern="100">
-                          <a:effectLst/>
-                        </a:rPr>
-                        <a:t> </a:t>
-                      </a:r>
-                      <a:endParaRPr lang="zh-CN" sz="1050" kern="100">
-                        <a:effectLst/>
-                        <a:latin typeface="Calibri"/>
-                        <a:ea typeface="宋体"/>
-                        <a:cs typeface="Times New Roman"/>
-                      </a:endParaRPr>
-                    </a:p>
-                  </a:txBody>
-                  <a:tcPr marL="68580" marR="68580" marT="0" marB="0"/>
-                </a:tc>
-                <a:tc>
-                  <a:txBody>
-                    <a:bodyPr/>
-                    <a:lstStyle/>
-                    <a:p>
-                      <a:pPr marL="0" marR="0" algn="just">
-                        <a:spcBef>
-                          <a:spcPts val="0"/>
-                        </a:spcBef>
-                        <a:spcAft>
-                          <a:spcPts val="0"/>
-                        </a:spcAft>
-                      </a:pPr>
-                      <a:r>
-                        <a:rPr lang="en-US" sz="1050" kern="100">
-                          <a:effectLst/>
-                        </a:rPr>
-                        <a:t> </a:t>
-                      </a:r>
-                      <a:endParaRPr lang="zh-CN" sz="1050" kern="100">
-                        <a:effectLst/>
-                        <a:latin typeface="Calibri"/>
-                        <a:ea typeface="宋体"/>
-                        <a:cs typeface="Times New Roman"/>
-                      </a:endParaRPr>
-                    </a:p>
-                  </a:txBody>
-                  <a:tcPr marL="68580" marR="68580" marT="0" marB="0"/>
-                </a:tc>
-                <a:tc>
-                  <a:txBody>
-                    <a:bodyPr/>
-                    <a:lstStyle/>
-                    <a:p>
-                      <a:pPr marL="0" marR="0" algn="just">
-                        <a:spcBef>
-                          <a:spcPts val="0"/>
-                        </a:spcBef>
-                        <a:spcAft>
-                          <a:spcPts val="0"/>
-                        </a:spcAft>
-                      </a:pPr>
-                      <a:r>
-                        <a:rPr lang="en-US" sz="1050" kern="100">
-                          <a:effectLst/>
-                        </a:rPr>
-                        <a:t> </a:t>
-                      </a:r>
-                      <a:endParaRPr lang="zh-CN" sz="1050" kern="100">
-                        <a:effectLst/>
-                        <a:latin typeface="Calibri"/>
-                        <a:ea typeface="宋体"/>
-                        <a:cs typeface="Times New Roman"/>
-                      </a:endParaRPr>
-                    </a:p>
-                  </a:txBody>
-                  <a:tcPr marL="68580" marR="68580" marT="0" marB="0"/>
-                </a:tc>
-                <a:tc>
-                  <a:txBody>
-                    <a:bodyPr/>
-                    <a:lstStyle/>
-                    <a:p>
-                      <a:pPr marL="0" marR="0" algn="just">
-                        <a:spcBef>
-                          <a:spcPts val="0"/>
-                        </a:spcBef>
-                        <a:spcAft>
-                          <a:spcPts val="0"/>
-                        </a:spcAft>
-                      </a:pPr>
-                      <a:r>
-                        <a:rPr lang="en-US" sz="1050" kern="100">
-                          <a:effectLst/>
-                        </a:rPr>
-                        <a:t> </a:t>
-                      </a:r>
-                      <a:endParaRPr lang="zh-CN" sz="1050" kern="100">
-                        <a:effectLst/>
-                        <a:latin typeface="Calibri"/>
-                        <a:ea typeface="宋体"/>
-                        <a:cs typeface="Times New Roman"/>
-                      </a:endParaRPr>
-                    </a:p>
-                  </a:txBody>
-                  <a:tcPr marL="68580" marR="68580" marT="0" marB="0"/>
-                </a:tc>
-                <a:tc>
-                  <a:txBody>
-                    <a:bodyPr/>
-                    <a:lstStyle/>
-                    <a:p>
-                      <a:pPr marL="0" marR="0" algn="just">
-                        <a:spcBef>
-                          <a:spcPts val="0"/>
-                        </a:spcBef>
-                        <a:spcAft>
-                          <a:spcPts val="0"/>
-                        </a:spcAft>
-                      </a:pPr>
-                      <a:r>
-                        <a:rPr lang="en-US" sz="1050" kern="100">
-                          <a:effectLst/>
-                        </a:rPr>
-                        <a:t> </a:t>
-                      </a:r>
-                      <a:endParaRPr lang="zh-CN" sz="1050" kern="100">
-                        <a:effectLst/>
-                        <a:latin typeface="Calibri"/>
-                        <a:ea typeface="宋体"/>
-                        <a:cs typeface="Times New Roman"/>
-                      </a:endParaRPr>
-                    </a:p>
-                  </a:txBody>
-                  <a:tcPr marL="68580" marR="68580" marT="0" marB="0"/>
-                </a:tc>
-                <a:tc>
-                  <a:txBody>
-                    <a:bodyPr/>
-                    <a:lstStyle/>
-                    <a:p>
-                      <a:pPr marL="0" marR="0" algn="just">
-                        <a:spcBef>
-                          <a:spcPts val="0"/>
-                        </a:spcBef>
-                        <a:spcAft>
-                          <a:spcPts val="0"/>
-                        </a:spcAft>
-                      </a:pPr>
-                      <a:r>
-                        <a:rPr lang="en-US" sz="1050" kern="100">
-                          <a:effectLst/>
-                        </a:rPr>
-                        <a:t> </a:t>
-                      </a:r>
-                      <a:endParaRPr lang="zh-CN" sz="1050" kern="100">
-                        <a:effectLst/>
-                        <a:latin typeface="Calibri"/>
-                        <a:ea typeface="宋体"/>
-                        <a:cs typeface="Times New Roman"/>
-                      </a:endParaRPr>
-                    </a:p>
-                  </a:txBody>
-                  <a:tcPr marL="68580" marR="68580" marT="0" marB="0"/>
-                </a:tc>
-              </a:tr>
-              <a:tr h="370799">
-                <a:tc>
-                  <a:txBody>
-                    <a:bodyPr/>
-                    <a:lstStyle/>
-                    <a:p>
-                      <a:pPr marL="0" marR="0" algn="just">
-                        <a:spcBef>
-                          <a:spcPts val="0"/>
-                        </a:spcBef>
-                        <a:spcAft>
-                          <a:spcPts val="0"/>
-                        </a:spcAft>
-                      </a:pPr>
-                      <a:r>
-                        <a:rPr lang="en-US" sz="1050" kern="100">
-                          <a:effectLst/>
-                        </a:rPr>
-                        <a:t> </a:t>
-                      </a:r>
-                      <a:endParaRPr lang="zh-CN" sz="1050" kern="100">
-                        <a:effectLst/>
-                        <a:latin typeface="Calibri"/>
-                        <a:ea typeface="宋体"/>
-                        <a:cs typeface="Times New Roman"/>
-                      </a:endParaRPr>
-                    </a:p>
-                  </a:txBody>
-                  <a:tcPr marL="68580" marR="68580" marT="0" marB="0"/>
-                </a:tc>
-                <a:tc>
-                  <a:txBody>
-                    <a:bodyPr/>
-                    <a:lstStyle/>
-                    <a:p>
-                      <a:pPr marL="0" marR="0" algn="just">
-                        <a:spcBef>
-                          <a:spcPts val="0"/>
-                        </a:spcBef>
-                        <a:spcAft>
-                          <a:spcPts val="0"/>
-                        </a:spcAft>
-                      </a:pPr>
-                      <a:r>
-                        <a:rPr lang="en-US" sz="1050" kern="100">
-                          <a:effectLst/>
-                        </a:rPr>
-                        <a:t> </a:t>
-                      </a:r>
-                      <a:endParaRPr lang="zh-CN" sz="1050" kern="100">
-                        <a:effectLst/>
-                        <a:latin typeface="Calibri"/>
-                        <a:ea typeface="宋体"/>
-                        <a:cs typeface="Times New Roman"/>
-                      </a:endParaRPr>
-                    </a:p>
-                  </a:txBody>
-                  <a:tcPr marL="68580" marR="68580" marT="0" marB="0"/>
-                </a:tc>
-                <a:tc>
-                  <a:txBody>
-                    <a:bodyPr/>
-                    <a:lstStyle/>
-                    <a:p>
-                      <a:pPr marL="0" marR="0" algn="just">
-                        <a:spcBef>
-                          <a:spcPts val="0"/>
-                        </a:spcBef>
-                        <a:spcAft>
-                          <a:spcPts val="0"/>
-                        </a:spcAft>
-                      </a:pPr>
-                      <a:r>
-                        <a:rPr lang="en-US" sz="1050" kern="100">
-                          <a:effectLst/>
-                        </a:rPr>
-                        <a:t> </a:t>
-                      </a:r>
-                      <a:endParaRPr lang="zh-CN" sz="1050" kern="100">
-                        <a:effectLst/>
-                        <a:latin typeface="Calibri"/>
-                        <a:ea typeface="宋体"/>
-                        <a:cs typeface="Times New Roman"/>
-                      </a:endParaRPr>
-                    </a:p>
-                  </a:txBody>
-                  <a:tcPr marL="68580" marR="68580" marT="0" marB="0"/>
-                </a:tc>
-                <a:tc>
-                  <a:txBody>
-                    <a:bodyPr/>
-                    <a:lstStyle/>
-                    <a:p>
-                      <a:pPr marL="0" marR="0" algn="just">
-                        <a:spcBef>
-                          <a:spcPts val="0"/>
-                        </a:spcBef>
-                        <a:spcAft>
-                          <a:spcPts val="0"/>
-                        </a:spcAft>
-                      </a:pPr>
-                      <a:r>
-                        <a:rPr lang="en-US" sz="1050" kern="100">
-                          <a:effectLst/>
-                        </a:rPr>
-                        <a:t> </a:t>
-                      </a:r>
-                      <a:endParaRPr lang="zh-CN" sz="1050" kern="100">
-                        <a:effectLst/>
-                        <a:latin typeface="Calibri"/>
-                        <a:ea typeface="宋体"/>
-                        <a:cs typeface="Times New Roman"/>
-                      </a:endParaRPr>
-                    </a:p>
-                  </a:txBody>
-                  <a:tcPr marL="68580" marR="68580" marT="0" marB="0"/>
-                </a:tc>
-                <a:tc>
-                  <a:txBody>
-                    <a:bodyPr/>
-                    <a:lstStyle/>
-                    <a:p>
-                      <a:pPr marL="0" marR="0" algn="just">
-                        <a:spcBef>
-                          <a:spcPts val="0"/>
-                        </a:spcBef>
-                        <a:spcAft>
-                          <a:spcPts val="0"/>
-                        </a:spcAft>
-                      </a:pPr>
-                      <a:r>
-                        <a:rPr lang="en-US" sz="1050" kern="100">
-                          <a:effectLst/>
-                        </a:rPr>
-                        <a:t> </a:t>
-                      </a:r>
-                      <a:endParaRPr lang="zh-CN" sz="1050" kern="100">
-                        <a:effectLst/>
-                        <a:latin typeface="Calibri"/>
-                        <a:ea typeface="宋体"/>
-                        <a:cs typeface="Times New Roman"/>
-                      </a:endParaRPr>
-                    </a:p>
-                  </a:txBody>
-                  <a:tcPr marL="68580" marR="68580" marT="0" marB="0"/>
-                </a:tc>
-                <a:tc>
-                  <a:txBody>
-                    <a:bodyPr/>
-                    <a:lstStyle/>
-                    <a:p>
-                      <a:pPr marL="0" marR="0" algn="just">
-                        <a:spcBef>
-                          <a:spcPts val="0"/>
-                        </a:spcBef>
-                        <a:spcAft>
-                          <a:spcPts val="0"/>
-                        </a:spcAft>
-                      </a:pPr>
-                      <a:r>
-                        <a:rPr lang="en-US" sz="1050" kern="100">
-                          <a:effectLst/>
-                        </a:rPr>
-                        <a:t> </a:t>
-                      </a:r>
-                      <a:endParaRPr lang="zh-CN" sz="1050" kern="100">
-                        <a:effectLst/>
-                        <a:latin typeface="Calibri"/>
-                        <a:ea typeface="宋体"/>
-                        <a:cs typeface="Times New Roman"/>
-                      </a:endParaRPr>
-                    </a:p>
-                  </a:txBody>
-                  <a:tcPr marL="68580" marR="68580" marT="0" marB="0"/>
-                </a:tc>
-                <a:tc>
-                  <a:txBody>
-                    <a:bodyPr/>
-                    <a:lstStyle/>
-                    <a:p>
-                      <a:pPr marL="0" marR="0" algn="just">
-                        <a:spcBef>
-                          <a:spcPts val="0"/>
-                        </a:spcBef>
-                        <a:spcAft>
-                          <a:spcPts val="0"/>
-                        </a:spcAft>
-                      </a:pPr>
-                      <a:r>
-                        <a:rPr lang="en-US" sz="1050" kern="100" dirty="0">
-                          <a:effectLst/>
-                        </a:rPr>
-                        <a:t> </a:t>
-                      </a:r>
-                      <a:endParaRPr lang="zh-CN" sz="1050" kern="100" dirty="0">
+                      <a:endParaRPr lang="zh-CN" sz="2000" kern="100" dirty="0">
                         <a:effectLst/>
                         <a:latin typeface="Calibri"/>
                         <a:ea typeface="宋体"/>
@@ -6653,10 +6074,17 @@
   <p:clrMapOvr>
     <a:masterClrMapping/>
   </p:clrMapOvr>
+  <p:timing>
+    <p:tnLst>
+      <p:par>
+        <p:cTn id="1" dur="indefinite" restart="never" nodeType="tmRoot"/>
+      </p:par>
+    </p:tnLst>
+  </p:timing>
 </p:sld>
 </file>
 
-<file path=ppt/slides/slide12.xml><?xml version="1.0" encoding="utf-8"?>
+<file path=ppt/slides/slide16.xml><?xml version="1.0" encoding="utf-8"?>
 <p:sld xmlns:a="http://schemas.openxmlformats.org/drawingml/2006/main" xmlns:r="http://schemas.openxmlformats.org/officeDocument/2006/relationships" xmlns:p="http://schemas.openxmlformats.org/presentationml/2006/main">
   <p:cSld>
     <p:spTree>
@@ -6862,6 +6290,13 @@
   <p:clrMapOvr>
     <a:masterClrMapping/>
   </p:clrMapOvr>
+  <p:timing>
+    <p:tnLst>
+      <p:par>
+        <p:cTn id="1" dur="indefinite" restart="never" nodeType="tmRoot"/>
+      </p:par>
+    </p:tnLst>
+  </p:timing>
 </p:sld>
 </file>
 
@@ -6957,6 +6392,13 @@
   <p:clrMapOvr>
     <a:masterClrMapping/>
   </p:clrMapOvr>
+  <p:timing>
+    <p:tnLst>
+      <p:par>
+        <p:cTn id="1" dur="indefinite" restart="never" nodeType="tmRoot"/>
+      </p:par>
+    </p:tnLst>
+  </p:timing>
 </p:sld>
 </file>
 
@@ -7043,6 +6485,13 @@
   <p:clrMapOvr>
     <a:masterClrMapping/>
   </p:clrMapOvr>
+  <p:timing>
+    <p:tnLst>
+      <p:par>
+        <p:cTn id="1" dur="indefinite" restart="never" nodeType="tmRoot"/>
+      </p:par>
+    </p:tnLst>
+  </p:timing>
 </p:sld>
 </file>
 
@@ -7151,6 +6600,13 @@
   <p:clrMapOvr>
     <a:masterClrMapping/>
   </p:clrMapOvr>
+  <p:timing>
+    <p:tnLst>
+      <p:par>
+        <p:cTn id="1" dur="indefinite" restart="never" nodeType="tmRoot"/>
+      </p:par>
+    </p:tnLst>
+  </p:timing>
 </p:sld>
 </file>
 
@@ -7270,6 +6726,13 @@
   <p:clrMapOvr>
     <a:masterClrMapping/>
   </p:clrMapOvr>
+  <p:timing>
+    <p:tnLst>
+      <p:par>
+        <p:cTn id="1" dur="indefinite" restart="never" nodeType="tmRoot"/>
+      </p:par>
+    </p:tnLst>
+  </p:timing>
 </p:sld>
 </file>
 
@@ -7357,6 +6820,13 @@
   <p:clrMapOvr>
     <a:masterClrMapping/>
   </p:clrMapOvr>
+  <p:timing>
+    <p:tnLst>
+      <p:par>
+        <p:cTn id="1" dur="indefinite" restart="never" nodeType="tmRoot"/>
+      </p:par>
+    </p:tnLst>
+  </p:timing>
 </p:sld>
 </file>
 
@@ -7447,6 +6917,13 @@
   <p:clrMapOvr>
     <a:masterClrMapping/>
   </p:clrMapOvr>
+  <p:timing>
+    <p:tnLst>
+      <p:par>
+        <p:cTn id="1" dur="indefinite" restart="never" nodeType="tmRoot"/>
+      </p:par>
+    </p:tnLst>
+  </p:timing>
 </p:sld>
 </file>
 
